--- a/markov_msi_2020_practice.pptx
+++ b/markov_msi_2020_practice.pptx
@@ -5,10 +5,10 @@
     <p:sldMasterId id="2147483728" r:id="rId1"/>
   </p:sldMasterIdLst>
   <p:notesMasterIdLst>
-    <p:notesMasterId r:id="rId18"/>
+    <p:notesMasterId r:id="rId26"/>
   </p:notesMasterIdLst>
   <p:handoutMasterIdLst>
-    <p:handoutMasterId r:id="rId19"/>
+    <p:handoutMasterId r:id="rId27"/>
   </p:handoutMasterIdLst>
   <p:sldIdLst>
     <p:sldId id="388" r:id="rId2"/>
@@ -27,6 +27,14 @@
     <p:sldId id="398" r:id="rId15"/>
     <p:sldId id="648" r:id="rId16"/>
     <p:sldId id="392" r:id="rId17"/>
+    <p:sldId id="545" r:id="rId18"/>
+    <p:sldId id="619" r:id="rId19"/>
+    <p:sldId id="624" r:id="rId20"/>
+    <p:sldId id="546" r:id="rId21"/>
+    <p:sldId id="594" r:id="rId22"/>
+    <p:sldId id="649" r:id="rId23"/>
+    <p:sldId id="586" r:id="rId24"/>
+    <p:sldId id="563" r:id="rId25"/>
   </p:sldIdLst>
   <p:sldSz cx="9144000" cy="6858000" type="screen4x3"/>
   <p:notesSz cx="6858000" cy="9144000"/>
@@ -224,14 +232,14 @@
           <a:effectLst/>
           <a:extLst>
             <a:ext uri="{909E8E84-426E-40dd-AFC4-6F175D3DCCD1}">
-              <a14:hiddenFill xmlns="" xmlns:a14="http://schemas.microsoft.com/office/drawing/2010/main">
+              <a14:hiddenFill xmlns:a14="http://schemas.microsoft.com/office/drawing/2010/main" xmlns="">
                 <a:solidFill>
                   <a:schemeClr val="accent1"/>
                 </a:solidFill>
               </a14:hiddenFill>
             </a:ext>
             <a:ext uri="{91240B29-F687-4f45-9708-019B960494DF}">
-              <a14:hiddenLine xmlns="" xmlns:a14="http://schemas.microsoft.com/office/drawing/2010/main" w="9525">
+              <a14:hiddenLine xmlns:a14="http://schemas.microsoft.com/office/drawing/2010/main" xmlns="" w="9525">
                 <a:solidFill>
                   <a:schemeClr val="tx1"/>
                 </a:solidFill>
@@ -241,7 +249,7 @@
               </a14:hiddenLine>
             </a:ext>
             <a:ext uri="{AF507438-7753-43e0-B8FC-AC1667EBCBE1}">
-              <a14:hiddenEffects xmlns="" xmlns:a14="http://schemas.microsoft.com/office/drawing/2010/main">
+              <a14:hiddenEffects xmlns:a14="http://schemas.microsoft.com/office/drawing/2010/main" xmlns="">
                 <a:effectLst>
                   <a:outerShdw dist="35921" dir="2700000" algn="ctr" rotWithShape="0">
                     <a:schemeClr val="bg2"/>
@@ -295,14 +303,14 @@
           <a:effectLst/>
           <a:extLst>
             <a:ext uri="{909E8E84-426E-40dd-AFC4-6F175D3DCCD1}">
-              <a14:hiddenFill xmlns="" xmlns:a14="http://schemas.microsoft.com/office/drawing/2010/main">
+              <a14:hiddenFill xmlns:a14="http://schemas.microsoft.com/office/drawing/2010/main" xmlns="">
                 <a:solidFill>
                   <a:schemeClr val="accent1"/>
                 </a:solidFill>
               </a14:hiddenFill>
             </a:ext>
             <a:ext uri="{91240B29-F687-4f45-9708-019B960494DF}">
-              <a14:hiddenLine xmlns="" xmlns:a14="http://schemas.microsoft.com/office/drawing/2010/main" w="9525">
+              <a14:hiddenLine xmlns:a14="http://schemas.microsoft.com/office/drawing/2010/main" xmlns="" w="9525">
                 <a:solidFill>
                   <a:schemeClr val="tx1"/>
                 </a:solidFill>
@@ -312,7 +320,7 @@
               </a14:hiddenLine>
             </a:ext>
             <a:ext uri="{AF507438-7753-43e0-B8FC-AC1667EBCBE1}">
-              <a14:hiddenEffects xmlns="" xmlns:a14="http://schemas.microsoft.com/office/drawing/2010/main">
+              <a14:hiddenEffects xmlns:a14="http://schemas.microsoft.com/office/drawing/2010/main" xmlns="">
                 <a:effectLst>
                   <a:outerShdw dist="35921" dir="2700000" algn="ctr" rotWithShape="0">
                     <a:schemeClr val="bg2"/>
@@ -366,14 +374,14 @@
           <a:effectLst/>
           <a:extLst>
             <a:ext uri="{909E8E84-426E-40dd-AFC4-6F175D3DCCD1}">
-              <a14:hiddenFill xmlns="" xmlns:a14="http://schemas.microsoft.com/office/drawing/2010/main">
+              <a14:hiddenFill xmlns:a14="http://schemas.microsoft.com/office/drawing/2010/main" xmlns="">
                 <a:solidFill>
                   <a:schemeClr val="accent1"/>
                 </a:solidFill>
               </a14:hiddenFill>
             </a:ext>
             <a:ext uri="{91240B29-F687-4f45-9708-019B960494DF}">
-              <a14:hiddenLine xmlns="" xmlns:a14="http://schemas.microsoft.com/office/drawing/2010/main" w="9525">
+              <a14:hiddenLine xmlns:a14="http://schemas.microsoft.com/office/drawing/2010/main" xmlns="" w="9525">
                 <a:solidFill>
                   <a:schemeClr val="tx1"/>
                 </a:solidFill>
@@ -383,7 +391,7 @@
               </a14:hiddenLine>
             </a:ext>
             <a:ext uri="{AF507438-7753-43e0-B8FC-AC1667EBCBE1}">
-              <a14:hiddenEffects xmlns="" xmlns:a14="http://schemas.microsoft.com/office/drawing/2010/main">
+              <a14:hiddenEffects xmlns:a14="http://schemas.microsoft.com/office/drawing/2010/main" xmlns="">
                 <a:effectLst>
                   <a:outerShdw dist="35921" dir="2700000" algn="ctr" rotWithShape="0">
                     <a:schemeClr val="bg2"/>
@@ -437,14 +445,14 @@
           <a:effectLst/>
           <a:extLst>
             <a:ext uri="{909E8E84-426E-40dd-AFC4-6F175D3DCCD1}">
-              <a14:hiddenFill xmlns="" xmlns:a14="http://schemas.microsoft.com/office/drawing/2010/main">
+              <a14:hiddenFill xmlns:a14="http://schemas.microsoft.com/office/drawing/2010/main" xmlns="">
                 <a:solidFill>
                   <a:schemeClr val="accent1"/>
                 </a:solidFill>
               </a14:hiddenFill>
             </a:ext>
             <a:ext uri="{91240B29-F687-4f45-9708-019B960494DF}">
-              <a14:hiddenLine xmlns="" xmlns:a14="http://schemas.microsoft.com/office/drawing/2010/main" w="9525">
+              <a14:hiddenLine xmlns:a14="http://schemas.microsoft.com/office/drawing/2010/main" xmlns="" w="9525">
                 <a:solidFill>
                   <a:schemeClr val="tx1"/>
                 </a:solidFill>
@@ -454,7 +462,7 @@
               </a14:hiddenLine>
             </a:ext>
             <a:ext uri="{AF507438-7753-43e0-B8FC-AC1667EBCBE1}">
-              <a14:hiddenEffects xmlns="" xmlns:a14="http://schemas.microsoft.com/office/drawing/2010/main">
+              <a14:hiddenEffects xmlns:a14="http://schemas.microsoft.com/office/drawing/2010/main" xmlns="">
                 <a:effectLst>
                   <a:outerShdw dist="35921" dir="2700000" algn="ctr" rotWithShape="0">
                     <a:schemeClr val="bg2"/>
@@ -551,14 +559,14 @@
           <a:effectLst/>
           <a:extLst>
             <a:ext uri="{909E8E84-426E-40dd-AFC4-6F175D3DCCD1}">
-              <a14:hiddenFill xmlns="" xmlns:a14="http://schemas.microsoft.com/office/drawing/2010/main">
+              <a14:hiddenFill xmlns:a14="http://schemas.microsoft.com/office/drawing/2010/main" xmlns="">
                 <a:solidFill>
                   <a:schemeClr val="accent1"/>
                 </a:solidFill>
               </a14:hiddenFill>
             </a:ext>
             <a:ext uri="{91240B29-F687-4f45-9708-019B960494DF}">
-              <a14:hiddenLine xmlns="" xmlns:a14="http://schemas.microsoft.com/office/drawing/2010/main" w="9525">
+              <a14:hiddenLine xmlns:a14="http://schemas.microsoft.com/office/drawing/2010/main" xmlns="" w="9525">
                 <a:solidFill>
                   <a:schemeClr val="tx1"/>
                 </a:solidFill>
@@ -568,7 +576,7 @@
               </a14:hiddenLine>
             </a:ext>
             <a:ext uri="{AF507438-7753-43e0-B8FC-AC1667EBCBE1}">
-              <a14:hiddenEffects xmlns="" xmlns:a14="http://schemas.microsoft.com/office/drawing/2010/main">
+              <a14:hiddenEffects xmlns:a14="http://schemas.microsoft.com/office/drawing/2010/main" xmlns="">
                 <a:effectLst>
                   <a:outerShdw dist="35921" dir="2700000" algn="ctr" rotWithShape="0">
                     <a:schemeClr val="bg2"/>
@@ -622,14 +630,14 @@
           <a:effectLst/>
           <a:extLst>
             <a:ext uri="{909E8E84-426E-40dd-AFC4-6F175D3DCCD1}">
-              <a14:hiddenFill xmlns="" xmlns:a14="http://schemas.microsoft.com/office/drawing/2010/main">
+              <a14:hiddenFill xmlns:a14="http://schemas.microsoft.com/office/drawing/2010/main" xmlns="">
                 <a:solidFill>
                   <a:schemeClr val="accent1"/>
                 </a:solidFill>
               </a14:hiddenFill>
             </a:ext>
             <a:ext uri="{91240B29-F687-4f45-9708-019B960494DF}">
-              <a14:hiddenLine xmlns="" xmlns:a14="http://schemas.microsoft.com/office/drawing/2010/main" w="9525">
+              <a14:hiddenLine xmlns:a14="http://schemas.microsoft.com/office/drawing/2010/main" xmlns="" w="9525">
                 <a:solidFill>
                   <a:schemeClr val="tx1"/>
                 </a:solidFill>
@@ -639,7 +647,7 @@
               </a14:hiddenLine>
             </a:ext>
             <a:ext uri="{AF507438-7753-43e0-B8FC-AC1667EBCBE1}">
-              <a14:hiddenEffects xmlns="" xmlns:a14="http://schemas.microsoft.com/office/drawing/2010/main">
+              <a14:hiddenEffects xmlns:a14="http://schemas.microsoft.com/office/drawing/2010/main" xmlns="">
                 <a:effectLst>
                   <a:outerShdw dist="35921" dir="2700000" algn="ctr" rotWithShape="0">
                     <a:schemeClr val="bg2"/>
@@ -698,14 +706,14 @@
           <a:effectLst/>
           <a:extLst>
             <a:ext uri="{909E8E84-426E-40dd-AFC4-6F175D3DCCD1}">
-              <a14:hiddenFill xmlns="" xmlns:a14="http://schemas.microsoft.com/office/drawing/2010/main">
+              <a14:hiddenFill xmlns:a14="http://schemas.microsoft.com/office/drawing/2010/main" xmlns="">
                 <a:solidFill>
                   <a:srgbClr val="FFFFFF"/>
                 </a:solidFill>
               </a14:hiddenFill>
             </a:ext>
             <a:ext uri="{AF507438-7753-43e0-B8FC-AC1667EBCBE1}">
-              <a14:hiddenEffects xmlns="" xmlns:a14="http://schemas.microsoft.com/office/drawing/2010/main">
+              <a14:hiddenEffects xmlns:a14="http://schemas.microsoft.com/office/drawing/2010/main" xmlns="">
                 <a:effectLst>
                   <a:outerShdw dist="35921" dir="2700000" algn="ctr" rotWithShape="0">
                     <a:srgbClr val="808080"/>
@@ -714,7 +722,7 @@
               </a14:hiddenEffects>
             </a:ext>
             <a:ext uri="{53640926-AAD7-44d8-BBD7-CCE9431645EC}">
-              <a14:shadowObscured xmlns="" xmlns:a14="http://schemas.microsoft.com/office/drawing/2010/main" val="1"/>
+              <a14:shadowObscured xmlns:a14="http://schemas.microsoft.com/office/drawing/2010/main" xmlns="" val="1"/>
             </a:ext>
           </a:extLst>
         </p:spPr>
@@ -744,14 +752,14 @@
           <a:effectLst/>
           <a:extLst>
             <a:ext uri="{909E8E84-426E-40dd-AFC4-6F175D3DCCD1}">
-              <a14:hiddenFill xmlns="" xmlns:a14="http://schemas.microsoft.com/office/drawing/2010/main">
+              <a14:hiddenFill xmlns:a14="http://schemas.microsoft.com/office/drawing/2010/main" xmlns="">
                 <a:solidFill>
                   <a:schemeClr val="accent1"/>
                 </a:solidFill>
               </a14:hiddenFill>
             </a:ext>
             <a:ext uri="{91240B29-F687-4f45-9708-019B960494DF}">
-              <a14:hiddenLine xmlns="" xmlns:a14="http://schemas.microsoft.com/office/drawing/2010/main" w="9525">
+              <a14:hiddenLine xmlns:a14="http://schemas.microsoft.com/office/drawing/2010/main" xmlns="" w="9525">
                 <a:solidFill>
                   <a:schemeClr val="tx1"/>
                 </a:solidFill>
@@ -761,7 +769,7 @@
               </a14:hiddenLine>
             </a:ext>
             <a:ext uri="{AF507438-7753-43e0-B8FC-AC1667EBCBE1}">
-              <a14:hiddenEffects xmlns="" xmlns:a14="http://schemas.microsoft.com/office/drawing/2010/main">
+              <a14:hiddenEffects xmlns:a14="http://schemas.microsoft.com/office/drawing/2010/main" xmlns="">
                 <a:effectLst>
                   <a:outerShdw dist="35921" dir="2700000" algn="ctr" rotWithShape="0">
                     <a:schemeClr val="bg2"/>
@@ -840,14 +848,14 @@
           <a:effectLst/>
           <a:extLst>
             <a:ext uri="{909E8E84-426E-40dd-AFC4-6F175D3DCCD1}">
-              <a14:hiddenFill xmlns="" xmlns:a14="http://schemas.microsoft.com/office/drawing/2010/main">
+              <a14:hiddenFill xmlns:a14="http://schemas.microsoft.com/office/drawing/2010/main" xmlns="">
                 <a:solidFill>
                   <a:schemeClr val="accent1"/>
                 </a:solidFill>
               </a14:hiddenFill>
             </a:ext>
             <a:ext uri="{91240B29-F687-4f45-9708-019B960494DF}">
-              <a14:hiddenLine xmlns="" xmlns:a14="http://schemas.microsoft.com/office/drawing/2010/main" w="9525">
+              <a14:hiddenLine xmlns:a14="http://schemas.microsoft.com/office/drawing/2010/main" xmlns="" w="9525">
                 <a:solidFill>
                   <a:schemeClr val="tx1"/>
                 </a:solidFill>
@@ -857,7 +865,7 @@
               </a14:hiddenLine>
             </a:ext>
             <a:ext uri="{AF507438-7753-43e0-B8FC-AC1667EBCBE1}">
-              <a14:hiddenEffects xmlns="" xmlns:a14="http://schemas.microsoft.com/office/drawing/2010/main">
+              <a14:hiddenEffects xmlns:a14="http://schemas.microsoft.com/office/drawing/2010/main" xmlns="">
                 <a:effectLst>
                   <a:outerShdw dist="35921" dir="2700000" algn="ctr" rotWithShape="0">
                     <a:schemeClr val="bg2"/>
@@ -911,14 +919,14 @@
           <a:effectLst/>
           <a:extLst>
             <a:ext uri="{909E8E84-426E-40dd-AFC4-6F175D3DCCD1}">
-              <a14:hiddenFill xmlns="" xmlns:a14="http://schemas.microsoft.com/office/drawing/2010/main">
+              <a14:hiddenFill xmlns:a14="http://schemas.microsoft.com/office/drawing/2010/main" xmlns="">
                 <a:solidFill>
                   <a:schemeClr val="accent1"/>
                 </a:solidFill>
               </a14:hiddenFill>
             </a:ext>
             <a:ext uri="{91240B29-F687-4f45-9708-019B960494DF}">
-              <a14:hiddenLine xmlns="" xmlns:a14="http://schemas.microsoft.com/office/drawing/2010/main" w="9525">
+              <a14:hiddenLine xmlns:a14="http://schemas.microsoft.com/office/drawing/2010/main" xmlns="" w="9525">
                 <a:solidFill>
                   <a:schemeClr val="tx1"/>
                 </a:solidFill>
@@ -928,7 +936,7 @@
               </a14:hiddenLine>
             </a:ext>
             <a:ext uri="{AF507438-7753-43e0-B8FC-AC1667EBCBE1}">
-              <a14:hiddenEffects xmlns="" xmlns:a14="http://schemas.microsoft.com/office/drawing/2010/main">
+              <a14:hiddenEffects xmlns:a14="http://schemas.microsoft.com/office/drawing/2010/main" xmlns="">
                 <a:effectLst>
                   <a:outerShdw dist="35921" dir="2700000" algn="ctr" rotWithShape="0">
                     <a:schemeClr val="bg2"/>
@@ -1178,14 +1186,14 @@
           </a:ln>
           <a:extLst>
             <a:ext uri="{909E8E84-426E-40dd-AFC4-6F175D3DCCD1}">
-              <a14:hiddenFill xmlns="" xmlns:a14="http://schemas.microsoft.com/office/drawing/2010/main">
+              <a14:hiddenFill xmlns:a14="http://schemas.microsoft.com/office/drawing/2010/main" xmlns="">
                 <a:solidFill>
                   <a:srgbClr val="FFFFFF"/>
                 </a:solidFill>
               </a14:hiddenFill>
             </a:ext>
             <a:ext uri="{91240B29-F687-4f45-9708-019B960494DF}">
-              <a14:hiddenLine xmlns="" xmlns:a14="http://schemas.microsoft.com/office/drawing/2010/main" w="9525">
+              <a14:hiddenLine xmlns:a14="http://schemas.microsoft.com/office/drawing/2010/main" xmlns="" w="9525">
                 <a:solidFill>
                   <a:srgbClr val="000000"/>
                 </a:solidFill>
@@ -1667,7 +1675,7 @@
           <a:p>
             <a:fld id="{D532217E-C472-3147-A81C-AA083F553A06}" type="datetimeFigureOut">
               <a:rPr lang="it-IT" smtClean="0"/>
-              <a:t>27/04/20</a:t>
+              <a:t>28/04/20</a:t>
             </a:fld>
             <a:endParaRPr lang="it-IT"/>
           </a:p>
@@ -1835,7 +1843,7 @@
           <a:p>
             <a:fld id="{D532217E-C472-3147-A81C-AA083F553A06}" type="datetimeFigureOut">
               <a:rPr lang="it-IT" smtClean="0"/>
-              <a:t>27/04/20</a:t>
+              <a:t>28/04/20</a:t>
             </a:fld>
             <a:endParaRPr lang="it-IT"/>
           </a:p>
@@ -2013,7 +2021,7 @@
           <a:p>
             <a:fld id="{D532217E-C472-3147-A81C-AA083F553A06}" type="datetimeFigureOut">
               <a:rPr lang="it-IT" smtClean="0"/>
-              <a:t>27/04/20</a:t>
+              <a:t>28/04/20</a:t>
             </a:fld>
             <a:endParaRPr lang="it-IT"/>
           </a:p>
@@ -2349,7 +2357,7 @@
           <a:p>
             <a:fld id="{D532217E-C472-3147-A81C-AA083F553A06}" type="datetimeFigureOut">
               <a:rPr lang="it-IT" smtClean="0"/>
-              <a:t>27/04/20</a:t>
+              <a:t>28/04/20</a:t>
             </a:fld>
             <a:endParaRPr lang="it-IT"/>
           </a:p>
@@ -2594,7 +2602,7 @@
           <a:p>
             <a:fld id="{D532217E-C472-3147-A81C-AA083F553A06}" type="datetimeFigureOut">
               <a:rPr lang="it-IT" smtClean="0"/>
-              <a:t>27/04/20</a:t>
+              <a:t>28/04/20</a:t>
             </a:fld>
             <a:endParaRPr lang="it-IT"/>
           </a:p>
@@ -2879,7 +2887,7 @@
           <a:p>
             <a:fld id="{D532217E-C472-3147-A81C-AA083F553A06}" type="datetimeFigureOut">
               <a:rPr lang="it-IT" smtClean="0"/>
-              <a:t>27/04/20</a:t>
+              <a:t>28/04/20</a:t>
             </a:fld>
             <a:endParaRPr lang="it-IT"/>
           </a:p>
@@ -3298,7 +3306,7 @@
           <a:p>
             <a:fld id="{D532217E-C472-3147-A81C-AA083F553A06}" type="datetimeFigureOut">
               <a:rPr lang="it-IT" smtClean="0"/>
-              <a:t>27/04/20</a:t>
+              <a:t>28/04/20</a:t>
             </a:fld>
             <a:endParaRPr lang="it-IT"/>
           </a:p>
@@ -3415,7 +3423,7 @@
           <a:p>
             <a:fld id="{D532217E-C472-3147-A81C-AA083F553A06}" type="datetimeFigureOut">
               <a:rPr lang="it-IT" smtClean="0"/>
-              <a:t>27/04/20</a:t>
+              <a:t>28/04/20</a:t>
             </a:fld>
             <a:endParaRPr lang="it-IT"/>
           </a:p>
@@ -3510,7 +3518,7 @@
           <a:p>
             <a:fld id="{D532217E-C472-3147-A81C-AA083F553A06}" type="datetimeFigureOut">
               <a:rPr lang="it-IT" smtClean="0"/>
-              <a:t>27/04/20</a:t>
+              <a:t>28/04/20</a:t>
             </a:fld>
             <a:endParaRPr lang="it-IT"/>
           </a:p>
@@ -3785,7 +3793,7 @@
           <a:p>
             <a:fld id="{D532217E-C472-3147-A81C-AA083F553A06}" type="datetimeFigureOut">
               <a:rPr lang="it-IT" smtClean="0"/>
-              <a:t>27/04/20</a:t>
+              <a:t>28/04/20</a:t>
             </a:fld>
             <a:endParaRPr lang="it-IT"/>
           </a:p>
@@ -4037,7 +4045,7 @@
           <a:p>
             <a:fld id="{D532217E-C472-3147-A81C-AA083F553A06}" type="datetimeFigureOut">
               <a:rPr lang="it-IT" smtClean="0"/>
-              <a:t>27/04/20</a:t>
+              <a:t>28/04/20</a:t>
             </a:fld>
             <a:endParaRPr lang="it-IT"/>
           </a:p>
@@ -4248,7 +4256,7 @@
           <a:p>
             <a:fld id="{D532217E-C472-3147-A81C-AA083F553A06}" type="datetimeFigureOut">
               <a:rPr lang="it-IT" smtClean="0"/>
-              <a:t>27/04/20</a:t>
+              <a:t>28/04/20</a:t>
             </a:fld>
             <a:endParaRPr lang="it-IT"/>
           </a:p>
@@ -4649,7 +4657,7 @@
           <a:effectLst/>
           <a:extLst>
             <a:ext uri="{91240B29-F687-4f45-9708-019B960494DF}">
-              <a14:hiddenLine xmlns="" xmlns:a14="http://schemas.microsoft.com/office/drawing/2010/main" w="38100" algn="ctr">
+              <a14:hiddenLine xmlns:a14="http://schemas.microsoft.com/office/drawing/2010/main" xmlns="" w="38100" algn="ctr">
                 <a:solidFill>
                   <a:srgbClr val="CC0066"/>
                 </a:solidFill>
@@ -4659,7 +4667,7 @@
               </a14:hiddenLine>
             </a:ext>
             <a:ext uri="{AF507438-7753-43e0-B8FC-AC1667EBCBE1}">
-              <a14:hiddenEffects xmlns="" xmlns:a14="http://schemas.microsoft.com/office/drawing/2010/main">
+              <a14:hiddenEffects xmlns:a14="http://schemas.microsoft.com/office/drawing/2010/main" xmlns="">
                 <a:effectLst>
                   <a:outerShdw dist="35921" dir="2700000" algn="ctr" rotWithShape="0">
                     <a:schemeClr val="bg2"/>
@@ -4803,7 +4811,7 @@
           <a:noFill/>
           <a:extLst>
             <a:ext uri="{909E8E84-426E-40dd-AFC4-6F175D3DCCD1}">
-              <a14:hiddenFill xmlns="" xmlns:a14="http://schemas.microsoft.com/office/drawing/2010/main">
+              <a14:hiddenFill xmlns:a14="http://schemas.microsoft.com/office/drawing/2010/main" xmlns="">
                 <a:solidFill>
                   <a:srgbClr val="FFFFFF"/>
                 </a:solidFill>
@@ -4835,14 +4843,14 @@
           <a:effectLst/>
           <a:extLst>
             <a:ext uri="{909E8E84-426E-40dd-AFC4-6F175D3DCCD1}">
-              <a14:hiddenFill xmlns="" xmlns:a14="http://schemas.microsoft.com/office/drawing/2010/main">
+              <a14:hiddenFill xmlns:a14="http://schemas.microsoft.com/office/drawing/2010/main" xmlns="">
                 <a:solidFill>
                   <a:schemeClr val="accent1"/>
                 </a:solidFill>
               </a14:hiddenFill>
             </a:ext>
             <a:ext uri="{91240B29-F687-4f45-9708-019B960494DF}">
-              <a14:hiddenLine xmlns="" xmlns:a14="http://schemas.microsoft.com/office/drawing/2010/main" w="9525">
+              <a14:hiddenLine xmlns:a14="http://schemas.microsoft.com/office/drawing/2010/main" xmlns="" w="9525">
                 <a:solidFill>
                   <a:schemeClr val="tx1"/>
                 </a:solidFill>
@@ -4852,7 +4860,7 @@
               </a14:hiddenLine>
             </a:ext>
             <a:ext uri="{AF507438-7753-43e0-B8FC-AC1667EBCBE1}">
-              <a14:hiddenEffects xmlns="" xmlns:a14="http://schemas.microsoft.com/office/drawing/2010/main">
+              <a14:hiddenEffects xmlns:a14="http://schemas.microsoft.com/office/drawing/2010/main" xmlns="">
                 <a:effectLst>
                   <a:outerShdw dist="35921" dir="2700000" algn="ctr" rotWithShape="0">
                     <a:schemeClr val="bg2"/>
@@ -4928,14 +4936,14 @@
           <a:effectLst/>
           <a:extLst>
             <a:ext uri="{909E8E84-426E-40dd-AFC4-6F175D3DCCD1}">
-              <a14:hiddenFill xmlns="" xmlns:a14="http://schemas.microsoft.com/office/drawing/2010/main">
+              <a14:hiddenFill xmlns:a14="http://schemas.microsoft.com/office/drawing/2010/main" xmlns="">
                 <a:solidFill>
                   <a:schemeClr val="accent1"/>
                 </a:solidFill>
               </a14:hiddenFill>
             </a:ext>
             <a:ext uri="{91240B29-F687-4f45-9708-019B960494DF}">
-              <a14:hiddenLine xmlns="" xmlns:a14="http://schemas.microsoft.com/office/drawing/2010/main" w="38100" algn="ctr">
+              <a14:hiddenLine xmlns:a14="http://schemas.microsoft.com/office/drawing/2010/main" xmlns="" w="38100" algn="ctr">
                 <a:solidFill>
                   <a:srgbClr val="CC0099"/>
                 </a:solidFill>
@@ -4945,7 +4953,7 @@
               </a14:hiddenLine>
             </a:ext>
             <a:ext uri="{AF507438-7753-43e0-B8FC-AC1667EBCBE1}">
-              <a14:hiddenEffects xmlns="" xmlns:a14="http://schemas.microsoft.com/office/drawing/2010/main">
+              <a14:hiddenEffects xmlns:a14="http://schemas.microsoft.com/office/drawing/2010/main" xmlns="">
                 <a:effectLst>
                   <a:outerShdw dist="35921" dir="2700000" algn="ctr" rotWithShape="0">
                     <a:schemeClr val="bg2"/>
@@ -5034,7 +5042,7 @@
           <a:noFill/>
           <a:extLst>
             <a:ext uri="{909E8E84-426E-40dd-AFC4-6F175D3DCCD1}">
-              <a14:hiddenFill xmlns="" xmlns:a14="http://schemas.microsoft.com/office/drawing/2010/main">
+              <a14:hiddenFill xmlns:a14="http://schemas.microsoft.com/office/drawing/2010/main" xmlns="">
                 <a:solidFill>
                   <a:srgbClr val="FFFFFF"/>
                 </a:solidFill>
@@ -5150,14 +5158,14 @@
           </a:ln>
           <a:extLst>
             <a:ext uri="{909E8E84-426E-40dd-AFC4-6F175D3DCCD1}">
-              <a14:hiddenFill xmlns="" xmlns:a14="http://schemas.microsoft.com/office/drawing/2010/main">
+              <a14:hiddenFill xmlns:a14="http://schemas.microsoft.com/office/drawing/2010/main" xmlns="">
                 <a:solidFill>
                   <a:schemeClr val="bg1"/>
                 </a:solidFill>
               </a14:hiddenFill>
             </a:ext>
             <a:ext uri="{91240B29-F687-4f45-9708-019B960494DF}">
-              <a14:hiddenLine xmlns="" xmlns:a14="http://schemas.microsoft.com/office/drawing/2010/main" w="9525">
+              <a14:hiddenLine xmlns:a14="http://schemas.microsoft.com/office/drawing/2010/main" xmlns="" w="9525">
                 <a:solidFill>
                   <a:srgbClr val="000000"/>
                 </a:solidFill>
@@ -7726,6 +7734,669 @@
 </p:sld>
 </file>
 
+<file path=ppt/slides/slide17.xml><?xml version="1.0" encoding="utf-8"?>
+<p:sld xmlns:a="http://schemas.openxmlformats.org/drawingml/2006/main" xmlns:r="http://schemas.openxmlformats.org/officeDocument/2006/relationships" xmlns:p="http://schemas.openxmlformats.org/presentationml/2006/main">
+  <p:cSld>
+    <p:spTree>
+      <p:nvGrpSpPr>
+        <p:cNvPr id="1" name=""/>
+        <p:cNvGrpSpPr/>
+        <p:nvPr/>
+      </p:nvGrpSpPr>
+      <p:grpSpPr>
+        <a:xfrm>
+          <a:off x="0" y="0"/>
+          <a:ext cx="0" cy="0"/>
+          <a:chOff x="0" y="0"/>
+          <a:chExt cx="0" cy="0"/>
+        </a:xfrm>
+      </p:grpSpPr>
+      <p:sp>
+        <p:nvSpPr>
+          <p:cNvPr id="3" name="Segnaposto testo 2"/>
+          <p:cNvSpPr>
+            <a:spLocks noGrp="1"/>
+          </p:cNvSpPr>
+          <p:nvPr>
+            <p:ph type="body" idx="1"/>
+          </p:nvPr>
+        </p:nvSpPr>
+        <p:spPr/>
+        <p:txBody>
+          <a:bodyPr/>
+          <a:lstStyle/>
+          <a:p>
+            <a:r>
+              <a:rPr lang="it-IT" altLang="x-none" dirty="0" err="1"/>
+              <a:t>Conclusions</a:t>
+            </a:r>
+            <a:r>
+              <a:rPr lang="it-IT" altLang="x-none" dirty="0"/>
+              <a:t> and </a:t>
+            </a:r>
+            <a:br>
+              <a:rPr lang="it-IT" altLang="x-none" dirty="0"/>
+            </a:br>
+            <a:r>
+              <a:rPr lang="it-IT" altLang="x-none" dirty="0" err="1"/>
+              <a:t>Resources</a:t>
+            </a:r>
+            <a:endParaRPr lang="en-US" dirty="0"/>
+          </a:p>
+        </p:txBody>
+      </p:sp>
+    </p:spTree>
+    <p:extLst>
+      <p:ext uri="{BB962C8B-B14F-4D97-AF65-F5344CB8AC3E}">
+        <p14:creationId xmlns:p14="http://schemas.microsoft.com/office/powerpoint/2010/main" val="1042787155"/>
+      </p:ext>
+    </p:extLst>
+  </p:cSld>
+  <p:clrMapOvr>
+    <a:masterClrMapping/>
+  </p:clrMapOvr>
+</p:sld>
+</file>
+
+<file path=ppt/slides/slide18.xml><?xml version="1.0" encoding="utf-8"?>
+<p:sld xmlns:a="http://schemas.openxmlformats.org/drawingml/2006/main" xmlns:r="http://schemas.openxmlformats.org/officeDocument/2006/relationships" xmlns:p="http://schemas.openxmlformats.org/presentationml/2006/main">
+  <p:cSld>
+    <p:spTree>
+      <p:nvGrpSpPr>
+        <p:cNvPr id="1" name=""/>
+        <p:cNvGrpSpPr/>
+        <p:nvPr/>
+      </p:nvGrpSpPr>
+      <p:grpSpPr>
+        <a:xfrm>
+          <a:off x="0" y="0"/>
+          <a:ext cx="0" cy="0"/>
+          <a:chOff x="0" y="0"/>
+          <a:chExt cx="0" cy="0"/>
+        </a:xfrm>
+      </p:grpSpPr>
+      <p:sp>
+        <p:nvSpPr>
+          <p:cNvPr id="2" name="Titolo 1"/>
+          <p:cNvSpPr>
+            <a:spLocks noGrp="1"/>
+          </p:cNvSpPr>
+          <p:nvPr>
+            <p:ph type="title"/>
+          </p:nvPr>
+        </p:nvSpPr>
+        <p:spPr/>
+        <p:txBody>
+          <a:bodyPr/>
+          <a:lstStyle/>
+          <a:p>
+            <a:r>
+              <a:rPr lang="it-IT" dirty="0" err="1"/>
+              <a:t>Conclusions</a:t>
+            </a:r>
+            <a:endParaRPr lang="it-IT" dirty="0"/>
+          </a:p>
+        </p:txBody>
+      </p:sp>
+      <p:sp>
+        <p:nvSpPr>
+          <p:cNvPr id="3" name="Segnaposto contenuto 2"/>
+          <p:cNvSpPr>
+            <a:spLocks noGrp="1"/>
+          </p:cNvSpPr>
+          <p:nvPr>
+            <p:ph idx="1"/>
+          </p:nvPr>
+        </p:nvSpPr>
+        <p:spPr/>
+        <p:txBody>
+          <a:bodyPr>
+            <a:normAutofit lnSpcReduction="10000"/>
+          </a:bodyPr>
+          <a:lstStyle/>
+          <a:p>
+            <a:r>
+              <a:rPr lang="it-IT" dirty="0"/>
+              <a:t>MSM </a:t>
+            </a:r>
+            <a:r>
+              <a:rPr lang="it-IT" dirty="0" err="1"/>
+              <a:t>methods</a:t>
+            </a:r>
+            <a:r>
+              <a:rPr lang="it-IT" dirty="0"/>
+              <a:t> </a:t>
+            </a:r>
+            <a:r>
+              <a:rPr lang="it-IT" dirty="0" err="1"/>
+              <a:t>make</a:t>
+            </a:r>
+            <a:r>
+              <a:rPr lang="it-IT" dirty="0"/>
+              <a:t> </a:t>
+            </a:r>
+            <a:r>
+              <a:rPr lang="it-IT" dirty="0" err="1"/>
+              <a:t>efficient</a:t>
+            </a:r>
+            <a:r>
+              <a:rPr lang="it-IT" dirty="0"/>
+              <a:t> use of </a:t>
+            </a:r>
+            <a:r>
+              <a:rPr lang="it-IT" i="1" dirty="0" err="1"/>
+              <a:t>unbiased</a:t>
+            </a:r>
+            <a:r>
+              <a:rPr lang="it-IT" dirty="0"/>
+              <a:t> </a:t>
+            </a:r>
+            <a:r>
+              <a:rPr lang="it-IT" dirty="0" err="1"/>
+              <a:t>sampling</a:t>
+            </a:r>
+            <a:endParaRPr lang="it-IT" dirty="0"/>
+          </a:p>
+          <a:p>
+            <a:r>
+              <a:rPr lang="it-IT" dirty="0">
+                <a:solidFill>
+                  <a:srgbClr val="FF0000"/>
+                </a:solidFill>
+              </a:rPr>
+              <a:t>Cluster </a:t>
+            </a:r>
+            <a:r>
+              <a:rPr lang="is-IS" dirty="0">
+                <a:solidFill>
+                  <a:srgbClr val="FF0000"/>
+                </a:solidFill>
+              </a:rPr>
+              <a:t>→</a:t>
+            </a:r>
+            <a:r>
+              <a:rPr lang="it-IT" dirty="0">
+                <a:solidFill>
+                  <a:srgbClr val="FF0000"/>
+                </a:solidFill>
+              </a:rPr>
+              <a:t> </a:t>
+            </a:r>
+            <a:r>
+              <a:rPr lang="it-IT" dirty="0" err="1">
+                <a:solidFill>
+                  <a:srgbClr val="FF0000"/>
+                </a:solidFill>
+              </a:rPr>
+              <a:t>P</a:t>
+            </a:r>
+            <a:r>
+              <a:rPr lang="it-IT" baseline="-25000" dirty="0" err="1">
+                <a:solidFill>
+                  <a:srgbClr val="FF0000"/>
+                </a:solidFill>
+              </a:rPr>
+              <a:t>ij</a:t>
+            </a:r>
+            <a:r>
+              <a:rPr lang="it-IT" dirty="0">
+                <a:solidFill>
+                  <a:srgbClr val="FF0000"/>
+                </a:solidFill>
+              </a:rPr>
+              <a:t> </a:t>
+            </a:r>
+            <a:r>
+              <a:rPr lang="is-IS" dirty="0">
+                <a:solidFill>
+                  <a:srgbClr val="FF0000"/>
+                </a:solidFill>
+              </a:rPr>
+              <a:t>→</a:t>
+            </a:r>
+            <a:r>
+              <a:rPr lang="it-IT" dirty="0">
+                <a:solidFill>
+                  <a:srgbClr val="FF0000"/>
+                </a:solidFill>
+              </a:rPr>
+              <a:t> </a:t>
+            </a:r>
+            <a:r>
+              <a:rPr lang="it-IT" dirty="0" err="1">
+                <a:solidFill>
+                  <a:srgbClr val="FF0000"/>
+                </a:solidFill>
+              </a:rPr>
+              <a:t>eigenvectors</a:t>
+            </a:r>
+            <a:r>
+              <a:rPr lang="it-IT" dirty="0">
+                <a:solidFill>
+                  <a:srgbClr val="FF0000"/>
+                </a:solidFill>
+              </a:rPr>
+              <a:t> </a:t>
+            </a:r>
+            <a:r>
+              <a:rPr lang="is-IS" dirty="0">
+                <a:solidFill>
+                  <a:srgbClr val="FF0000"/>
+                </a:solidFill>
+              </a:rPr>
+              <a:t>→ </a:t>
+            </a:r>
+            <a:br>
+              <a:rPr lang="is-IS" dirty="0">
+                <a:solidFill>
+                  <a:srgbClr val="FF0000"/>
+                </a:solidFill>
+              </a:rPr>
+            </a:br>
+            <a:r>
+              <a:rPr lang="it-IT" dirty="0">
+                <a:solidFill>
+                  <a:srgbClr val="FF0000"/>
+                </a:solidFill>
+              </a:rPr>
+              <a:t>free </a:t>
+            </a:r>
+            <a:r>
+              <a:rPr lang="it-IT" dirty="0" err="1">
+                <a:solidFill>
+                  <a:srgbClr val="FF0000"/>
+                </a:solidFill>
+              </a:rPr>
+              <a:t>energies</a:t>
+            </a:r>
+            <a:r>
+              <a:rPr lang="it-IT" dirty="0">
+                <a:solidFill>
+                  <a:srgbClr val="FF0000"/>
+                </a:solidFill>
+              </a:rPr>
+              <a:t> (K</a:t>
+            </a:r>
+            <a:r>
+              <a:rPr lang="it-IT" baseline="-25000" dirty="0">
+                <a:solidFill>
+                  <a:srgbClr val="FF0000"/>
+                </a:solidFill>
+              </a:rPr>
+              <a:t>D</a:t>
+            </a:r>
+            <a:r>
+              <a:rPr lang="it-IT" dirty="0">
+                <a:solidFill>
+                  <a:srgbClr val="FF0000"/>
+                </a:solidFill>
+              </a:rPr>
+              <a:t>) and </a:t>
+            </a:r>
+            <a:r>
+              <a:rPr lang="it-IT" dirty="0" err="1">
+                <a:solidFill>
+                  <a:srgbClr val="FF0000"/>
+                </a:solidFill>
+              </a:rPr>
+              <a:t>kinetics</a:t>
+            </a:r>
+            <a:r>
+              <a:rPr lang="it-IT" dirty="0">
+                <a:solidFill>
+                  <a:srgbClr val="FF0000"/>
+                </a:solidFill>
+              </a:rPr>
+              <a:t> (</a:t>
+            </a:r>
+            <a:r>
+              <a:rPr lang="it-IT" dirty="0" err="1">
+                <a:solidFill>
+                  <a:srgbClr val="FF0000"/>
+                </a:solidFill>
+              </a:rPr>
+              <a:t>k</a:t>
+            </a:r>
+            <a:r>
+              <a:rPr lang="it-IT" baseline="-25000" dirty="0" err="1">
+                <a:solidFill>
+                  <a:srgbClr val="FF0000"/>
+                </a:solidFill>
+              </a:rPr>
+              <a:t>on</a:t>
+            </a:r>
+            <a:r>
+              <a:rPr lang="it-IT" dirty="0">
+                <a:solidFill>
+                  <a:srgbClr val="FF0000"/>
+                </a:solidFill>
+              </a:rPr>
+              <a:t>/</a:t>
+            </a:r>
+            <a:r>
+              <a:rPr lang="it-IT" dirty="0" err="1">
+                <a:solidFill>
+                  <a:srgbClr val="FF0000"/>
+                </a:solidFill>
+              </a:rPr>
+              <a:t>k</a:t>
+            </a:r>
+            <a:r>
+              <a:rPr lang="it-IT" baseline="-25000" dirty="0" err="1">
+                <a:solidFill>
+                  <a:srgbClr val="FF0000"/>
+                </a:solidFill>
+              </a:rPr>
+              <a:t>off</a:t>
+            </a:r>
+            <a:r>
+              <a:rPr lang="it-IT" dirty="0">
+                <a:solidFill>
+                  <a:srgbClr val="FF0000"/>
+                </a:solidFill>
+              </a:rPr>
+              <a:t>)</a:t>
+            </a:r>
+          </a:p>
+          <a:p>
+            <a:r>
+              <a:rPr lang="it-IT" dirty="0" err="1"/>
+              <a:t>Still</a:t>
+            </a:r>
+            <a:r>
+              <a:rPr lang="it-IT" dirty="0"/>
+              <a:t> </a:t>
+            </a:r>
+            <a:r>
+              <a:rPr lang="it-IT" dirty="0" err="1"/>
+              <a:t>require</a:t>
+            </a:r>
+            <a:r>
+              <a:rPr lang="it-IT" dirty="0"/>
+              <a:t> </a:t>
+            </a:r>
+            <a:r>
+              <a:rPr lang="it-IT" i="1" dirty="0" err="1"/>
+              <a:t>huge</a:t>
+            </a:r>
+            <a:r>
+              <a:rPr lang="it-IT" dirty="0"/>
+              <a:t> (</a:t>
+            </a:r>
+            <a:r>
+              <a:rPr lang="it-IT" dirty="0" err="1"/>
+              <a:t>but</a:t>
+            </a:r>
+            <a:r>
+              <a:rPr lang="it-IT" dirty="0"/>
+              <a:t> </a:t>
+            </a:r>
+            <a:r>
+              <a:rPr lang="it-IT" dirty="0" err="1"/>
+              <a:t>not</a:t>
+            </a:r>
+            <a:r>
+              <a:rPr lang="it-IT" dirty="0"/>
+              <a:t> </a:t>
+            </a:r>
+            <a:r>
+              <a:rPr lang="it-IT" dirty="0" err="1"/>
+              <a:t>unreachable</a:t>
+            </a:r>
+            <a:r>
+              <a:rPr lang="it-IT" dirty="0"/>
+              <a:t>) </a:t>
+            </a:r>
+            <a:r>
+              <a:rPr lang="it-IT" dirty="0" err="1"/>
+              <a:t>amounts</a:t>
+            </a:r>
+            <a:r>
+              <a:rPr lang="it-IT" dirty="0"/>
+              <a:t> of </a:t>
+            </a:r>
+            <a:r>
+              <a:rPr lang="it-IT" dirty="0" err="1"/>
+              <a:t>sampling</a:t>
+            </a:r>
+            <a:r>
+              <a:rPr lang="it-IT" dirty="0"/>
+              <a:t>/</a:t>
+            </a:r>
+            <a:r>
+              <a:rPr lang="it-IT" dirty="0" err="1"/>
+              <a:t>simulation</a:t>
+            </a:r>
+            <a:r>
+              <a:rPr lang="it-IT" dirty="0"/>
+              <a:t> for </a:t>
+            </a:r>
+            <a:r>
+              <a:rPr lang="it-IT" dirty="0" err="1"/>
+              <a:t>biologically</a:t>
+            </a:r>
+            <a:r>
+              <a:rPr lang="it-IT" dirty="0"/>
+              <a:t> </a:t>
+            </a:r>
+            <a:r>
+              <a:rPr lang="it-IT" dirty="0" err="1"/>
+              <a:t>interesting</a:t>
+            </a:r>
+            <a:r>
+              <a:rPr lang="it-IT" dirty="0"/>
+              <a:t> </a:t>
+            </a:r>
+            <a:r>
+              <a:rPr lang="it-IT" dirty="0" err="1"/>
+              <a:t>systems</a:t>
+            </a:r>
+            <a:endParaRPr lang="it-IT" dirty="0"/>
+          </a:p>
+          <a:p>
+            <a:r>
+              <a:rPr lang="it-IT" dirty="0"/>
+              <a:t>Strong </a:t>
+            </a:r>
+            <a:r>
+              <a:rPr lang="it-IT" dirty="0" err="1"/>
+              <a:t>mathematical</a:t>
+            </a:r>
+            <a:r>
+              <a:rPr lang="it-IT" dirty="0"/>
+              <a:t> </a:t>
+            </a:r>
+            <a:r>
+              <a:rPr lang="it-IT" dirty="0" err="1"/>
+              <a:t>foundation</a:t>
+            </a:r>
+            <a:r>
+              <a:rPr lang="it-IT" dirty="0"/>
+              <a:t>, with </a:t>
+            </a:r>
+            <a:r>
+              <a:rPr lang="it-IT" dirty="0" err="1"/>
+              <a:t>good</a:t>
+            </a:r>
+            <a:r>
+              <a:rPr lang="it-IT" dirty="0"/>
+              <a:t> software </a:t>
+            </a:r>
+            <a:r>
+              <a:rPr lang="it-IT" dirty="0" err="1"/>
+              <a:t>available</a:t>
+            </a:r>
+            <a:endParaRPr lang="it-IT" dirty="0"/>
+          </a:p>
+        </p:txBody>
+      </p:sp>
+    </p:spTree>
+    <p:extLst>
+      <p:ext uri="{BB962C8B-B14F-4D97-AF65-F5344CB8AC3E}">
+        <p14:creationId xmlns:p14="http://schemas.microsoft.com/office/powerpoint/2010/main" val="703180849"/>
+      </p:ext>
+    </p:extLst>
+  </p:cSld>
+  <p:clrMapOvr>
+    <a:masterClrMapping/>
+  </p:clrMapOvr>
+</p:sld>
+</file>
+
+<file path=ppt/slides/slide19.xml><?xml version="1.0" encoding="utf-8"?>
+<p:sld xmlns:a="http://schemas.openxmlformats.org/drawingml/2006/main" xmlns:r="http://schemas.openxmlformats.org/officeDocument/2006/relationships" xmlns:p="http://schemas.openxmlformats.org/presentationml/2006/main" show="0">
+  <p:cSld>
+    <p:spTree>
+      <p:nvGrpSpPr>
+        <p:cNvPr id="1" name=""/>
+        <p:cNvGrpSpPr/>
+        <p:nvPr/>
+      </p:nvGrpSpPr>
+      <p:grpSpPr>
+        <a:xfrm>
+          <a:off x="0" y="0"/>
+          <a:ext cx="0" cy="0"/>
+          <a:chOff x="0" y="0"/>
+          <a:chExt cx="0" cy="0"/>
+        </a:xfrm>
+      </p:grpSpPr>
+      <p:sp>
+        <p:nvSpPr>
+          <p:cNvPr id="2" name="Titolo 1"/>
+          <p:cNvSpPr>
+            <a:spLocks noGrp="1"/>
+          </p:cNvSpPr>
+          <p:nvPr>
+            <p:ph type="title"/>
+          </p:nvPr>
+        </p:nvSpPr>
+        <p:spPr>
+          <a:xfrm>
+            <a:off x="457200" y="198438"/>
+            <a:ext cx="8229600" cy="868362"/>
+          </a:xfrm>
+        </p:spPr>
+        <p:txBody>
+          <a:bodyPr/>
+          <a:lstStyle/>
+          <a:p>
+            <a:r>
+              <a:rPr lang="en-GB" dirty="0"/>
+              <a:t>Warning</a:t>
+            </a:r>
+          </a:p>
+        </p:txBody>
+      </p:sp>
+      <p:sp>
+        <p:nvSpPr>
+          <p:cNvPr id="3" name="Segnaposto contenuto 2"/>
+          <p:cNvSpPr>
+            <a:spLocks noGrp="1"/>
+          </p:cNvSpPr>
+          <p:nvPr>
+            <p:ph idx="1"/>
+          </p:nvPr>
+        </p:nvSpPr>
+        <p:spPr/>
+        <p:txBody>
+          <a:bodyPr anchor="ctr">
+            <a:normAutofit/>
+          </a:bodyPr>
+          <a:lstStyle/>
+          <a:p>
+            <a:r>
+              <a:rPr lang="en-GB" dirty="0"/>
+              <a:t>Still very active field</a:t>
+            </a:r>
+          </a:p>
+          <a:p>
+            <a:r>
+              <a:rPr lang="en-GB" dirty="0"/>
+              <a:t>For serious work, many more details are in</a:t>
+            </a:r>
+            <a:r>
+              <a:rPr lang="mr-IN" dirty="0"/>
+              <a:t>…</a:t>
+            </a:r>
+            <a:endParaRPr lang="en-GB" dirty="0"/>
+          </a:p>
+          <a:p>
+            <a:pPr lvl="1"/>
+            <a:r>
+              <a:rPr lang="en-GB" dirty="0"/>
+              <a:t>the theory of Markov state models</a:t>
+            </a:r>
+          </a:p>
+          <a:p>
+            <a:pPr lvl="1"/>
+            <a:r>
+              <a:rPr lang="en-GB" dirty="0"/>
+              <a:t>the discretization, projection, and estimation of models from trajectories</a:t>
+            </a:r>
+          </a:p>
+          <a:p>
+            <a:r>
+              <a:rPr lang="en-GB" dirty="0"/>
+              <a:t>Suggested further steps: worked out real-world examples distributed with software packages*</a:t>
+            </a:r>
+          </a:p>
+        </p:txBody>
+      </p:sp>
+      <p:sp>
+        <p:nvSpPr>
+          <p:cNvPr id="4" name="CasellaDiTesto 3"/>
+          <p:cNvSpPr txBox="1"/>
+          <p:nvPr/>
+        </p:nvSpPr>
+        <p:spPr>
+          <a:xfrm>
+            <a:off x="6360946" y="6324600"/>
+            <a:ext cx="2173454" cy="369332"/>
+          </a:xfrm>
+          <a:prstGeom prst="rect">
+            <a:avLst/>
+          </a:prstGeom>
+          <a:noFill/>
+        </p:spPr>
+        <p:txBody>
+          <a:bodyPr wrap="none" rtlCol="0">
+            <a:spAutoFit/>
+          </a:bodyPr>
+          <a:lstStyle/>
+          <a:p>
+            <a:r>
+              <a:rPr lang="it-IT" dirty="0"/>
+              <a:t>* </a:t>
+            </a:r>
+            <a:r>
+              <a:rPr lang="it-IT" dirty="0" err="1"/>
+              <a:t>see</a:t>
+            </a:r>
+            <a:r>
+              <a:rPr lang="it-IT" dirty="0"/>
+              <a:t> the last </a:t>
+            </a:r>
+            <a:r>
+              <a:rPr lang="it-IT" dirty="0" err="1"/>
+              <a:t>slides</a:t>
+            </a:r>
+            <a:endParaRPr lang="it-IT" dirty="0"/>
+          </a:p>
+        </p:txBody>
+      </p:sp>
+    </p:spTree>
+    <p:extLst>
+      <p:ext uri="{BB962C8B-B14F-4D97-AF65-F5344CB8AC3E}">
+        <p14:creationId xmlns:p14="http://schemas.microsoft.com/office/powerpoint/2010/main" val="1163872750"/>
+      </p:ext>
+    </p:extLst>
+  </p:cSld>
+  <p:clrMapOvr>
+    <a:masterClrMapping/>
+  </p:clrMapOvr>
+</p:sld>
+</file>
+
 <file path=ppt/slides/slide2.xml><?xml version="1.0" encoding="utf-8"?>
 <p:sld xmlns:a="http://schemas.openxmlformats.org/drawingml/2006/main" xmlns:r="http://schemas.openxmlformats.org/officeDocument/2006/relationships" xmlns:p="http://schemas.openxmlformats.org/presentationml/2006/main">
   <p:cSld>
@@ -8042,6 +8713,1484 @@
     <p:extLst>
       <p:ext uri="{BB962C8B-B14F-4D97-AF65-F5344CB8AC3E}">
         <p14:creationId xmlns:p14="http://schemas.microsoft.com/office/powerpoint/2010/main" val="725810929"/>
+      </p:ext>
+    </p:extLst>
+  </p:cSld>
+  <p:clrMapOvr>
+    <a:masterClrMapping/>
+  </p:clrMapOvr>
+</p:sld>
+</file>
+
+<file path=ppt/slides/slide20.xml><?xml version="1.0" encoding="utf-8"?>
+<p:sld xmlns:a="http://schemas.openxmlformats.org/drawingml/2006/main" xmlns:r="http://schemas.openxmlformats.org/officeDocument/2006/relationships" xmlns:p="http://schemas.openxmlformats.org/presentationml/2006/main">
+  <p:cSld>
+    <p:spTree>
+      <p:nvGrpSpPr>
+        <p:cNvPr id="1" name=""/>
+        <p:cNvGrpSpPr/>
+        <p:nvPr/>
+      </p:nvGrpSpPr>
+      <p:grpSpPr>
+        <a:xfrm>
+          <a:off x="0" y="0"/>
+          <a:ext cx="0" cy="0"/>
+          <a:chOff x="0" y="0"/>
+          <a:chExt cx="0" cy="0"/>
+        </a:xfrm>
+      </p:grpSpPr>
+      <p:sp>
+        <p:nvSpPr>
+          <p:cNvPr id="3" name="Titolo 2"/>
+          <p:cNvSpPr>
+            <a:spLocks noGrp="1"/>
+          </p:cNvSpPr>
+          <p:nvPr>
+            <p:ph type="title"/>
+          </p:nvPr>
+        </p:nvSpPr>
+        <p:spPr/>
+        <p:txBody>
+          <a:bodyPr/>
+          <a:lstStyle/>
+          <a:p>
+            <a:r>
+              <a:rPr lang="it-IT" dirty="0"/>
+              <a:t>Software + </a:t>
+            </a:r>
+            <a:r>
+              <a:rPr lang="it-IT" dirty="0" err="1"/>
+              <a:t>Tutorials</a:t>
+            </a:r>
+            <a:endParaRPr lang="it-IT" dirty="0"/>
+          </a:p>
+        </p:txBody>
+      </p:sp>
+      <p:sp>
+        <p:nvSpPr>
+          <p:cNvPr id="4" name="Segnaposto contenuto 3"/>
+          <p:cNvSpPr>
+            <a:spLocks noGrp="1"/>
+          </p:cNvSpPr>
+          <p:nvPr>
+            <p:ph idx="1"/>
+          </p:nvPr>
+        </p:nvSpPr>
+        <p:spPr/>
+        <p:txBody>
+          <a:bodyPr>
+            <a:normAutofit/>
+          </a:bodyPr>
+          <a:lstStyle/>
+          <a:p>
+            <a:r>
+              <a:rPr lang="it-IT" dirty="0" err="1"/>
+              <a:t>All</a:t>
+            </a:r>
+            <a:r>
+              <a:rPr lang="it-IT" dirty="0"/>
+              <a:t> are </a:t>
+            </a:r>
+            <a:r>
+              <a:rPr lang="it-IT" dirty="0" err="1"/>
+              <a:t>Python-based</a:t>
+            </a:r>
+            <a:endParaRPr lang="it-IT" dirty="0"/>
+          </a:p>
+          <a:p>
+            <a:pPr lvl="1"/>
+            <a:r>
+              <a:rPr lang="it-IT" dirty="0" err="1"/>
+              <a:t>They</a:t>
+            </a:r>
+            <a:r>
+              <a:rPr lang="it-IT" dirty="0"/>
+              <a:t> include </a:t>
+            </a:r>
+            <a:r>
+              <a:rPr lang="it-IT" dirty="0" err="1"/>
+              <a:t>clear</a:t>
+            </a:r>
+            <a:r>
+              <a:rPr lang="it-IT" dirty="0"/>
+              <a:t> </a:t>
+            </a:r>
+            <a:r>
+              <a:rPr lang="it-IT" dirty="0" err="1"/>
+              <a:t>walkthroughs</a:t>
+            </a:r>
+            <a:r>
+              <a:rPr lang="it-IT" dirty="0"/>
+              <a:t> </a:t>
+            </a:r>
+            <a:br>
+              <a:rPr lang="it-IT" dirty="0"/>
+            </a:br>
+            <a:r>
+              <a:rPr lang="it-IT" dirty="0"/>
+              <a:t>(</a:t>
+            </a:r>
+            <a:r>
+              <a:rPr lang="it-IT" dirty="0" err="1"/>
+              <a:t>highly</a:t>
+            </a:r>
+            <a:r>
+              <a:rPr lang="it-IT" dirty="0"/>
+              <a:t> </a:t>
+            </a:r>
+            <a:r>
+              <a:rPr lang="it-IT" dirty="0" err="1"/>
+              <a:t>recommended</a:t>
+            </a:r>
+            <a:r>
+              <a:rPr lang="it-IT" dirty="0"/>
+              <a:t>) with </a:t>
+            </a:r>
+            <a:r>
+              <a:rPr lang="it-IT" dirty="0" err="1"/>
+              <a:t>datasets</a:t>
+            </a:r>
+            <a:r>
+              <a:rPr lang="it-IT" dirty="0"/>
+              <a:t> </a:t>
+            </a:r>
+          </a:p>
+          <a:p>
+            <a:r>
+              <a:rPr lang="it-IT" b="1" dirty="0"/>
+              <a:t>HTMD</a:t>
+            </a:r>
+            <a:r>
+              <a:rPr lang="it-IT" dirty="0"/>
+              <a:t> </a:t>
+            </a:r>
+            <a:r>
+              <a:rPr lang="mr-IN" dirty="0"/>
+              <a:t>–</a:t>
+            </a:r>
+            <a:r>
+              <a:rPr lang="it-IT" dirty="0"/>
+              <a:t> </a:t>
+            </a:r>
+            <a:r>
+              <a:rPr lang="it-IT" dirty="0">
+                <a:hlinkClick r:id="rId2"/>
+              </a:rPr>
+              <a:t>www.htmd.org</a:t>
+            </a:r>
+            <a:endParaRPr lang="it-IT" dirty="0"/>
+          </a:p>
+          <a:p>
+            <a:pPr lvl="1"/>
+            <a:r>
+              <a:rPr lang="it-IT" dirty="0" err="1"/>
+              <a:t>Also</a:t>
+            </a:r>
+            <a:r>
+              <a:rPr lang="it-IT" dirty="0"/>
+              <a:t> </a:t>
+            </a:r>
+            <a:r>
+              <a:rPr lang="it-IT" dirty="0" err="1"/>
+              <a:t>analysis</a:t>
+            </a:r>
+            <a:r>
+              <a:rPr lang="it-IT" dirty="0"/>
+              <a:t> + </a:t>
+            </a:r>
+            <a:r>
+              <a:rPr lang="it-IT" dirty="0" err="1"/>
+              <a:t>system</a:t>
+            </a:r>
+            <a:r>
+              <a:rPr lang="it-IT" dirty="0"/>
+              <a:t> </a:t>
+            </a:r>
+            <a:r>
+              <a:rPr lang="it-IT" dirty="0" err="1"/>
+              <a:t>build</a:t>
+            </a:r>
+            <a:r>
+              <a:rPr lang="it-IT" dirty="0"/>
+              <a:t> + </a:t>
+            </a:r>
+            <a:r>
+              <a:rPr lang="it-IT" dirty="0" err="1"/>
+              <a:t>adaptive</a:t>
+            </a:r>
+            <a:r>
+              <a:rPr lang="it-IT" dirty="0"/>
+              <a:t> </a:t>
+            </a:r>
+            <a:r>
+              <a:rPr lang="mr-IN" dirty="0"/>
+              <a:t>…</a:t>
+            </a:r>
+            <a:endParaRPr lang="it-IT" dirty="0"/>
+          </a:p>
+          <a:p>
+            <a:pPr lvl="1"/>
+            <a:r>
+              <a:rPr lang="it-IT" dirty="0"/>
+              <a:t>Can aggregate large-scale </a:t>
+            </a:r>
+            <a:r>
+              <a:rPr lang="it-IT" dirty="0" err="1"/>
+              <a:t>datasets</a:t>
+            </a:r>
+            <a:endParaRPr lang="it-IT" dirty="0"/>
+          </a:p>
+          <a:p>
+            <a:r>
+              <a:rPr lang="it-IT" dirty="0" err="1"/>
+              <a:t>PyEMMA</a:t>
+            </a:r>
+            <a:r>
+              <a:rPr lang="it-IT" dirty="0"/>
+              <a:t> </a:t>
+            </a:r>
+            <a:r>
+              <a:rPr lang="mr-IN" dirty="0"/>
+              <a:t>–</a:t>
+            </a:r>
+            <a:r>
+              <a:rPr lang="it-IT" dirty="0"/>
+              <a:t> </a:t>
+            </a:r>
+            <a:r>
+              <a:rPr lang="it-IT" dirty="0">
+                <a:hlinkClick r:id="rId3"/>
+              </a:rPr>
+              <a:t>www.emma-project.org</a:t>
+            </a:r>
+            <a:endParaRPr lang="it-IT" dirty="0"/>
+          </a:p>
+          <a:p>
+            <a:r>
+              <a:rPr lang="it-IT" dirty="0" err="1"/>
+              <a:t>MSMBuilder</a:t>
+            </a:r>
+            <a:r>
+              <a:rPr lang="it-IT" dirty="0"/>
+              <a:t> - </a:t>
+            </a:r>
+            <a:r>
+              <a:rPr lang="it-IT" dirty="0">
+                <a:hlinkClick r:id="rId4"/>
+              </a:rPr>
+              <a:t>msmbuilder.org</a:t>
+            </a:r>
+            <a:r>
+              <a:rPr lang="it-IT" dirty="0"/>
+              <a:t> </a:t>
+            </a:r>
+          </a:p>
+        </p:txBody>
+      </p:sp>
+    </p:spTree>
+    <p:extLst>
+      <p:ext uri="{BB962C8B-B14F-4D97-AF65-F5344CB8AC3E}">
+        <p14:creationId xmlns:p14="http://schemas.microsoft.com/office/powerpoint/2010/main" val="2530145388"/>
+      </p:ext>
+    </p:extLst>
+  </p:cSld>
+  <p:clrMapOvr>
+    <a:masterClrMapping/>
+  </p:clrMapOvr>
+</p:sld>
+</file>
+
+<file path=ppt/slides/slide21.xml><?xml version="1.0" encoding="utf-8"?>
+<p:sld xmlns:a="http://schemas.openxmlformats.org/drawingml/2006/main" xmlns:r="http://schemas.openxmlformats.org/officeDocument/2006/relationships" xmlns:p="http://schemas.openxmlformats.org/presentationml/2006/main">
+  <p:cSld>
+    <p:spTree>
+      <p:nvGrpSpPr>
+        <p:cNvPr id="1" name=""/>
+        <p:cNvGrpSpPr/>
+        <p:nvPr/>
+      </p:nvGrpSpPr>
+      <p:grpSpPr>
+        <a:xfrm>
+          <a:off x="0" y="0"/>
+          <a:ext cx="0" cy="0"/>
+          <a:chOff x="0" y="0"/>
+          <a:chExt cx="0" cy="0"/>
+        </a:xfrm>
+      </p:grpSpPr>
+      <p:sp>
+        <p:nvSpPr>
+          <p:cNvPr id="2" name="Titolo 1"/>
+          <p:cNvSpPr>
+            <a:spLocks noGrp="1"/>
+          </p:cNvSpPr>
+          <p:nvPr>
+            <p:ph type="title"/>
+          </p:nvPr>
+        </p:nvSpPr>
+        <p:spPr/>
+        <p:txBody>
+          <a:bodyPr/>
+          <a:lstStyle/>
+          <a:p>
+            <a:r>
+              <a:rPr lang="it-IT" dirty="0" err="1"/>
+              <a:t>Related</a:t>
+            </a:r>
+            <a:r>
+              <a:rPr lang="it-IT" dirty="0"/>
+              <a:t> </a:t>
+            </a:r>
+            <a:r>
+              <a:rPr lang="it-IT" dirty="0" err="1"/>
+              <a:t>topics</a:t>
+            </a:r>
+            <a:endParaRPr lang="it-IT" dirty="0"/>
+          </a:p>
+        </p:txBody>
+      </p:sp>
+      <p:sp>
+        <p:nvSpPr>
+          <p:cNvPr id="3" name="Segnaposto contenuto 2"/>
+          <p:cNvSpPr>
+            <a:spLocks noGrp="1"/>
+          </p:cNvSpPr>
+          <p:nvPr>
+            <p:ph idx="1"/>
+          </p:nvPr>
+        </p:nvSpPr>
+        <p:spPr/>
+        <p:txBody>
+          <a:bodyPr>
+            <a:normAutofit/>
+          </a:bodyPr>
+          <a:lstStyle/>
+          <a:p>
+            <a:pPr marL="0" indent="0">
+              <a:buNone/>
+            </a:pPr>
+            <a:r>
+              <a:rPr lang="it-IT" dirty="0" err="1"/>
+              <a:t>If</a:t>
+            </a:r>
+            <a:r>
+              <a:rPr lang="it-IT" dirty="0"/>
+              <a:t> </a:t>
+            </a:r>
+            <a:r>
+              <a:rPr lang="it-IT" dirty="0" err="1"/>
+              <a:t>you</a:t>
+            </a:r>
+            <a:r>
+              <a:rPr lang="it-IT" dirty="0"/>
+              <a:t> </a:t>
+            </a:r>
+            <a:r>
+              <a:rPr lang="it-IT" dirty="0" err="1"/>
+              <a:t>liked</a:t>
+            </a:r>
+            <a:r>
+              <a:rPr lang="it-IT" dirty="0"/>
+              <a:t> </a:t>
+            </a:r>
+            <a:r>
+              <a:rPr lang="it-IT" dirty="0" err="1"/>
+              <a:t>this</a:t>
+            </a:r>
+            <a:r>
+              <a:rPr lang="it-IT" dirty="0"/>
+              <a:t>, </a:t>
+            </a:r>
+            <a:r>
+              <a:rPr lang="it-IT" dirty="0" err="1"/>
+              <a:t>you</a:t>
+            </a:r>
+            <a:r>
+              <a:rPr lang="it-IT" dirty="0"/>
+              <a:t> </a:t>
+            </a:r>
+            <a:r>
+              <a:rPr lang="it-IT" dirty="0" err="1"/>
+              <a:t>may</a:t>
+            </a:r>
+            <a:r>
+              <a:rPr lang="it-IT" dirty="0"/>
+              <a:t> </a:t>
+            </a:r>
+            <a:r>
+              <a:rPr lang="it-IT" dirty="0" err="1"/>
+              <a:t>also</a:t>
+            </a:r>
+            <a:r>
+              <a:rPr lang="it-IT" dirty="0"/>
+              <a:t> </a:t>
+            </a:r>
+            <a:r>
+              <a:rPr lang="it-IT" dirty="0" err="1"/>
+              <a:t>like</a:t>
+            </a:r>
+            <a:r>
+              <a:rPr lang="mr-IN" dirty="0"/>
+              <a:t>…</a:t>
+            </a:r>
+            <a:endParaRPr lang="it-IT" dirty="0"/>
+          </a:p>
+          <a:p>
+            <a:r>
+              <a:rPr lang="it-IT" dirty="0" err="1"/>
+              <a:t>Estimation</a:t>
+            </a:r>
+            <a:r>
+              <a:rPr lang="it-IT" dirty="0"/>
+              <a:t> of </a:t>
+            </a:r>
+            <a:r>
+              <a:rPr lang="it-IT" dirty="0" err="1"/>
+              <a:t>reversible</a:t>
+            </a:r>
+            <a:r>
+              <a:rPr lang="it-IT" dirty="0"/>
+              <a:t> </a:t>
+            </a:r>
+            <a:r>
+              <a:rPr lang="it-IT" dirty="0" err="1"/>
+              <a:t>transition</a:t>
+            </a:r>
+            <a:r>
+              <a:rPr lang="it-IT" dirty="0"/>
+              <a:t> </a:t>
+            </a:r>
+            <a:r>
+              <a:rPr lang="it-IT" dirty="0" err="1"/>
+              <a:t>matrices</a:t>
+            </a:r>
+            <a:r>
+              <a:rPr lang="it-IT" dirty="0"/>
+              <a:t> </a:t>
+            </a:r>
+          </a:p>
+          <a:p>
+            <a:r>
+              <a:rPr lang="it-IT" dirty="0" err="1"/>
+              <a:t>Hidden</a:t>
+            </a:r>
+            <a:r>
+              <a:rPr lang="it-IT" dirty="0"/>
+              <a:t> </a:t>
+            </a:r>
+            <a:r>
+              <a:rPr lang="it-IT" dirty="0" err="1"/>
+              <a:t>Markov</a:t>
+            </a:r>
+            <a:r>
+              <a:rPr lang="it-IT" dirty="0"/>
+              <a:t> </a:t>
+            </a:r>
+            <a:r>
+              <a:rPr lang="it-IT" dirty="0" err="1"/>
+              <a:t>Models</a:t>
+            </a:r>
+            <a:r>
+              <a:rPr lang="it-IT" dirty="0"/>
+              <a:t>	</a:t>
+            </a:r>
+            <a:r>
+              <a:rPr lang="it-IT" sz="2000" dirty="0" err="1"/>
+              <a:t>doi</a:t>
+            </a:r>
+            <a:r>
+              <a:rPr lang="it-IT" sz="2000" dirty="0"/>
+              <a:t>:</a:t>
+            </a:r>
+            <a:r>
+              <a:rPr lang="is-IS" sz="2000" dirty="0">
+                <a:hlinkClick r:id="rId2"/>
+              </a:rPr>
+              <a:t>10.1063/1.4828816</a:t>
+            </a:r>
+            <a:endParaRPr lang="it-IT" dirty="0"/>
+          </a:p>
+          <a:p>
+            <a:r>
+              <a:rPr lang="it-IT" dirty="0"/>
+              <a:t>TICA</a:t>
+            </a:r>
+          </a:p>
+          <a:p>
+            <a:r>
+              <a:rPr lang="it-IT" dirty="0" err="1"/>
+              <a:t>Conformational</a:t>
+            </a:r>
+            <a:r>
+              <a:rPr lang="it-IT" dirty="0"/>
+              <a:t> </a:t>
+            </a:r>
+            <a:r>
+              <a:rPr lang="it-IT" dirty="0" err="1"/>
+              <a:t>fluxes</a:t>
+            </a:r>
+            <a:endParaRPr lang="it-IT" dirty="0"/>
+          </a:p>
+          <a:p>
+            <a:r>
+              <a:rPr lang="it-IT" dirty="0" err="1"/>
+              <a:t>Adaptive</a:t>
+            </a:r>
+            <a:r>
+              <a:rPr lang="it-IT" dirty="0"/>
+              <a:t> </a:t>
+            </a:r>
+            <a:r>
+              <a:rPr lang="it-IT" dirty="0" err="1"/>
+              <a:t>sampling</a:t>
+            </a:r>
+            <a:endParaRPr lang="it-IT" dirty="0"/>
+          </a:p>
+          <a:p>
+            <a:r>
+              <a:rPr lang="it-IT" dirty="0" err="1"/>
+              <a:t>Role</a:t>
+            </a:r>
+            <a:r>
+              <a:rPr lang="it-IT" dirty="0"/>
+              <a:t> of </a:t>
+            </a:r>
+            <a:r>
+              <a:rPr lang="it-IT" dirty="0" err="1"/>
+              <a:t>drug</a:t>
+            </a:r>
+            <a:r>
+              <a:rPr lang="it-IT" dirty="0"/>
+              <a:t> residence time in </a:t>
+            </a:r>
+            <a:r>
+              <a:rPr lang="it-IT" dirty="0" err="1"/>
+              <a:t>drug</a:t>
+            </a:r>
+            <a:r>
+              <a:rPr lang="it-IT" dirty="0"/>
+              <a:t> </a:t>
+            </a:r>
+            <a:r>
+              <a:rPr lang="it-IT" dirty="0" err="1"/>
+              <a:t>discovery</a:t>
+            </a:r>
+            <a:endParaRPr lang="it-IT" dirty="0"/>
+          </a:p>
+        </p:txBody>
+      </p:sp>
+    </p:spTree>
+    <p:extLst>
+      <p:ext uri="{BB962C8B-B14F-4D97-AF65-F5344CB8AC3E}">
+        <p14:creationId xmlns:p14="http://schemas.microsoft.com/office/powerpoint/2010/main" val="3728462470"/>
+      </p:ext>
+    </p:extLst>
+  </p:cSld>
+  <p:clrMapOvr>
+    <a:masterClrMapping/>
+  </p:clrMapOvr>
+</p:sld>
+</file>
+
+<file path=ppt/slides/slide22.xml><?xml version="1.0" encoding="utf-8"?>
+<p:sld xmlns:a="http://schemas.openxmlformats.org/drawingml/2006/main" xmlns:r="http://schemas.openxmlformats.org/officeDocument/2006/relationships" xmlns:p="http://schemas.openxmlformats.org/presentationml/2006/main">
+  <p:cSld>
+    <p:spTree>
+      <p:nvGrpSpPr>
+        <p:cNvPr id="1" name=""/>
+        <p:cNvGrpSpPr/>
+        <p:nvPr/>
+      </p:nvGrpSpPr>
+      <p:grpSpPr>
+        <a:xfrm>
+          <a:off x="0" y="0"/>
+          <a:ext cx="0" cy="0"/>
+          <a:chOff x="0" y="0"/>
+          <a:chExt cx="0" cy="0"/>
+        </a:xfrm>
+      </p:grpSpPr>
+      <p:pic>
+        <p:nvPicPr>
+          <p:cNvPr id="5" name="Picture 4">
+            <a:extLst>
+              <a:ext uri="{FF2B5EF4-FFF2-40B4-BE49-F238E27FC236}">
+                <a16:creationId xmlns:a16="http://schemas.microsoft.com/office/drawing/2014/main" id="{D23F486A-B6BD-4246-8097-0B52E61C2595}"/>
+              </a:ext>
+            </a:extLst>
+          </p:cNvPr>
+          <p:cNvPicPr>
+            <a:picLocks noChangeAspect="1"/>
+          </p:cNvPicPr>
+          <p:nvPr/>
+        </p:nvPicPr>
+        <p:blipFill>
+          <a:blip r:embed="rId2"/>
+          <a:stretch>
+            <a:fillRect/>
+          </a:stretch>
+        </p:blipFill>
+        <p:spPr>
+          <a:xfrm>
+            <a:off x="3394753" y="133974"/>
+            <a:ext cx="5520647" cy="1761067"/>
+          </a:xfrm>
+          <a:prstGeom prst="rect">
+            <a:avLst/>
+          </a:prstGeom>
+          <a:solidFill>
+            <a:schemeClr val="bg1"/>
+          </a:solidFill>
+          <a:ln w="88900" cap="sq">
+            <a:solidFill>
+              <a:srgbClr val="FFFFFF"/>
+            </a:solidFill>
+            <a:miter lim="800000"/>
+          </a:ln>
+          <a:effectLst>
+            <a:outerShdw blurRad="55000" dist="18000" dir="5400000" algn="tl" rotWithShape="0">
+              <a:srgbClr val="000000">
+                <a:alpha val="40000"/>
+              </a:srgbClr>
+            </a:outerShdw>
+          </a:effectLst>
+          <a:scene3d>
+            <a:camera prst="orthographicFront"/>
+            <a:lightRig rig="twoPt" dir="t">
+              <a:rot lat="0" lon="0" rev="7200000"/>
+            </a:lightRig>
+          </a:scene3d>
+          <a:sp3d>
+            <a:bevelT w="25400" h="19050"/>
+            <a:contourClr>
+              <a:srgbClr val="FFFFFF"/>
+            </a:contourClr>
+          </a:sp3d>
+        </p:spPr>
+      </p:pic>
+      <p:pic>
+        <p:nvPicPr>
+          <p:cNvPr id="6" name="Picture 5">
+            <a:extLst>
+              <a:ext uri="{FF2B5EF4-FFF2-40B4-BE49-F238E27FC236}">
+                <a16:creationId xmlns:a16="http://schemas.microsoft.com/office/drawing/2014/main" id="{5268D6AA-840A-4842-A27C-49CE19208852}"/>
+              </a:ext>
+            </a:extLst>
+          </p:cNvPr>
+          <p:cNvPicPr>
+            <a:picLocks noChangeAspect="1"/>
+          </p:cNvPicPr>
+          <p:nvPr/>
+        </p:nvPicPr>
+        <p:blipFill rotWithShape="1">
+          <a:blip r:embed="rId3"/>
+          <a:srcRect b="28369"/>
+          <a:stretch/>
+        </p:blipFill>
+        <p:spPr>
+          <a:xfrm>
+            <a:off x="2558676" y="5154227"/>
+            <a:ext cx="6413500" cy="1582909"/>
+          </a:xfrm>
+          <a:prstGeom prst="rect">
+            <a:avLst/>
+          </a:prstGeom>
+          <a:solidFill>
+            <a:schemeClr val="bg1"/>
+          </a:solidFill>
+          <a:ln w="88900" cap="sq">
+            <a:solidFill>
+              <a:srgbClr val="FFFFFF"/>
+            </a:solidFill>
+            <a:miter lim="800000"/>
+          </a:ln>
+          <a:effectLst>
+            <a:outerShdw blurRad="55000" dist="18000" dir="5400000" algn="tl" rotWithShape="0">
+              <a:srgbClr val="000000">
+                <a:alpha val="40000"/>
+              </a:srgbClr>
+            </a:outerShdw>
+          </a:effectLst>
+          <a:scene3d>
+            <a:camera prst="orthographicFront"/>
+            <a:lightRig rig="twoPt" dir="t">
+              <a:rot lat="0" lon="0" rev="7200000"/>
+            </a:lightRig>
+          </a:scene3d>
+          <a:sp3d>
+            <a:bevelT w="25400" h="19050"/>
+            <a:contourClr>
+              <a:srgbClr val="FFFFFF"/>
+            </a:contourClr>
+          </a:sp3d>
+        </p:spPr>
+      </p:pic>
+      <p:pic>
+        <p:nvPicPr>
+          <p:cNvPr id="7" name="Picture 6">
+            <a:extLst>
+              <a:ext uri="{FF2B5EF4-FFF2-40B4-BE49-F238E27FC236}">
+                <a16:creationId xmlns:a16="http://schemas.microsoft.com/office/drawing/2014/main" id="{74FC3A3D-9D72-6F44-92C0-9A0480F7EA7D}"/>
+              </a:ext>
+            </a:extLst>
+          </p:cNvPr>
+          <p:cNvPicPr>
+            <a:picLocks noChangeAspect="1"/>
+          </p:cNvPicPr>
+          <p:nvPr/>
+        </p:nvPicPr>
+        <p:blipFill rotWithShape="1">
+          <a:blip r:embed="rId4"/>
+          <a:srcRect b="17601"/>
+          <a:stretch/>
+        </p:blipFill>
+        <p:spPr>
+          <a:xfrm>
+            <a:off x="2536324" y="3235513"/>
+            <a:ext cx="6485041" cy="1592142"/>
+          </a:xfrm>
+          <a:prstGeom prst="rect">
+            <a:avLst/>
+          </a:prstGeom>
+          <a:solidFill>
+            <a:schemeClr val="bg1"/>
+          </a:solidFill>
+          <a:ln w="88900" cap="sq">
+            <a:solidFill>
+              <a:srgbClr val="FFFFFF"/>
+            </a:solidFill>
+            <a:miter lim="800000"/>
+          </a:ln>
+          <a:effectLst>
+            <a:outerShdw blurRad="55000" dist="18000" dir="5400000" algn="tl" rotWithShape="0">
+              <a:srgbClr val="000000">
+                <a:alpha val="40000"/>
+              </a:srgbClr>
+            </a:outerShdw>
+          </a:effectLst>
+          <a:scene3d>
+            <a:camera prst="orthographicFront"/>
+            <a:lightRig rig="twoPt" dir="t">
+              <a:rot lat="0" lon="0" rev="7200000"/>
+            </a:lightRig>
+          </a:scene3d>
+          <a:sp3d>
+            <a:bevelT w="25400" h="19050"/>
+            <a:contourClr>
+              <a:srgbClr val="FFFFFF"/>
+            </a:contourClr>
+          </a:sp3d>
+        </p:spPr>
+      </p:pic>
+      <p:cxnSp>
+        <p:nvCxnSpPr>
+          <p:cNvPr id="9" name="Straight Connector 8">
+            <a:extLst>
+              <a:ext uri="{FF2B5EF4-FFF2-40B4-BE49-F238E27FC236}">
+                <a16:creationId xmlns:a16="http://schemas.microsoft.com/office/drawing/2014/main" id="{826F29B2-171E-984E-90F2-E34F92F9B406}"/>
+              </a:ext>
+            </a:extLst>
+          </p:cNvPr>
+          <p:cNvCxnSpPr/>
+          <p:nvPr/>
+        </p:nvCxnSpPr>
+        <p:spPr>
+          <a:xfrm>
+            <a:off x="145047" y="3048000"/>
+            <a:ext cx="8880800" cy="0"/>
+          </a:xfrm>
+          <a:prstGeom prst="line">
+            <a:avLst/>
+          </a:prstGeom>
+        </p:spPr>
+        <p:style>
+          <a:lnRef idx="2">
+            <a:schemeClr val="accent1"/>
+          </a:lnRef>
+          <a:fillRef idx="0">
+            <a:schemeClr val="accent1"/>
+          </a:fillRef>
+          <a:effectRef idx="1">
+            <a:schemeClr val="accent1"/>
+          </a:effectRef>
+          <a:fontRef idx="minor">
+            <a:schemeClr val="tx1"/>
+          </a:fontRef>
+        </p:style>
+      </p:cxnSp>
+      <p:cxnSp>
+        <p:nvCxnSpPr>
+          <p:cNvPr id="10" name="Straight Connector 9">
+            <a:extLst>
+              <a:ext uri="{FF2B5EF4-FFF2-40B4-BE49-F238E27FC236}">
+                <a16:creationId xmlns:a16="http://schemas.microsoft.com/office/drawing/2014/main" id="{569E82C8-C975-D240-82B0-709C65596CBA}"/>
+              </a:ext>
+            </a:extLst>
+          </p:cNvPr>
+          <p:cNvCxnSpPr/>
+          <p:nvPr/>
+        </p:nvCxnSpPr>
+        <p:spPr>
+          <a:xfrm>
+            <a:off x="145047" y="4953000"/>
+            <a:ext cx="8880800" cy="0"/>
+          </a:xfrm>
+          <a:prstGeom prst="line">
+            <a:avLst/>
+          </a:prstGeom>
+        </p:spPr>
+        <p:style>
+          <a:lnRef idx="2">
+            <a:schemeClr val="accent1"/>
+          </a:lnRef>
+          <a:fillRef idx="0">
+            <a:schemeClr val="accent1"/>
+          </a:fillRef>
+          <a:effectRef idx="1">
+            <a:schemeClr val="accent1"/>
+          </a:effectRef>
+          <a:fontRef idx="minor">
+            <a:schemeClr val="tx1"/>
+          </a:fontRef>
+        </p:style>
+      </p:cxnSp>
+      <p:sp>
+        <p:nvSpPr>
+          <p:cNvPr id="11" name="TextBox 10">
+            <a:extLst>
+              <a:ext uri="{FF2B5EF4-FFF2-40B4-BE49-F238E27FC236}">
+                <a16:creationId xmlns:a16="http://schemas.microsoft.com/office/drawing/2014/main" id="{A91D4462-CB8E-0D44-BA52-C680024D9E0D}"/>
+              </a:ext>
+            </a:extLst>
+          </p:cNvPr>
+          <p:cNvSpPr txBox="1"/>
+          <p:nvPr/>
+        </p:nvSpPr>
+        <p:spPr>
+          <a:xfrm>
+            <a:off x="484604" y="455852"/>
+            <a:ext cx="1390124" cy="369332"/>
+          </a:xfrm>
+          <a:prstGeom prst="rect">
+            <a:avLst/>
+          </a:prstGeom>
+          <a:noFill/>
+        </p:spPr>
+        <p:txBody>
+          <a:bodyPr wrap="none" rtlCol="0">
+            <a:spAutoFit/>
+          </a:bodyPr>
+          <a:lstStyle/>
+          <a:p>
+            <a:r>
+              <a:rPr lang="en-IT" dirty="0">
+                <a:latin typeface="Gill Sans MT" panose="020B0502020104020203" pitchFamily="34" charset="77"/>
+              </a:rPr>
+              <a:t>Introduction</a:t>
+            </a:r>
+          </a:p>
+        </p:txBody>
+      </p:sp>
+      <p:sp>
+        <p:nvSpPr>
+          <p:cNvPr id="12" name="TextBox 11">
+            <a:extLst>
+              <a:ext uri="{FF2B5EF4-FFF2-40B4-BE49-F238E27FC236}">
+                <a16:creationId xmlns:a16="http://schemas.microsoft.com/office/drawing/2014/main" id="{97D33258-526A-4D47-9ED6-B767BED451D8}"/>
+              </a:ext>
+            </a:extLst>
+          </p:cNvPr>
+          <p:cNvSpPr txBox="1"/>
+          <p:nvPr/>
+        </p:nvSpPr>
+        <p:spPr>
+          <a:xfrm>
+            <a:off x="382317" y="5522560"/>
+            <a:ext cx="1496383" cy="923330"/>
+          </a:xfrm>
+          <a:prstGeom prst="rect">
+            <a:avLst/>
+          </a:prstGeom>
+          <a:noFill/>
+        </p:spPr>
+        <p:txBody>
+          <a:bodyPr wrap="square" rtlCol="0">
+            <a:spAutoFit/>
+          </a:bodyPr>
+          <a:lstStyle/>
+          <a:p>
+            <a:r>
+              <a:rPr lang="en-IT" dirty="0">
+                <a:latin typeface="Gill Sans MT" panose="020B0502020104020203" pitchFamily="34" charset="77"/>
+              </a:rPr>
+              <a:t>More mathematical detail</a:t>
+            </a:r>
+          </a:p>
+        </p:txBody>
+      </p:sp>
+      <p:sp>
+        <p:nvSpPr>
+          <p:cNvPr id="13" name="TextBox 12">
+            <a:extLst>
+              <a:ext uri="{FF2B5EF4-FFF2-40B4-BE49-F238E27FC236}">
+                <a16:creationId xmlns:a16="http://schemas.microsoft.com/office/drawing/2014/main" id="{8E7534F6-6081-DE44-B0CA-6E80EB48339B}"/>
+              </a:ext>
+            </a:extLst>
+          </p:cNvPr>
+          <p:cNvSpPr txBox="1"/>
+          <p:nvPr/>
+        </p:nvSpPr>
+        <p:spPr>
+          <a:xfrm>
+            <a:off x="457200" y="3550397"/>
+            <a:ext cx="1496383" cy="923330"/>
+          </a:xfrm>
+          <a:prstGeom prst="rect">
+            <a:avLst/>
+          </a:prstGeom>
+          <a:noFill/>
+        </p:spPr>
+        <p:txBody>
+          <a:bodyPr wrap="square" rtlCol="0">
+            <a:spAutoFit/>
+          </a:bodyPr>
+          <a:lstStyle/>
+          <a:p>
+            <a:r>
+              <a:rPr lang="en-IT" dirty="0">
+                <a:latin typeface="Gill Sans MT" panose="020B0502020104020203" pitchFamily="34" charset="77"/>
+              </a:rPr>
+              <a:t>Early biological application</a:t>
+            </a:r>
+          </a:p>
+        </p:txBody>
+      </p:sp>
+      <p:pic>
+        <p:nvPicPr>
+          <p:cNvPr id="14" name="Picture 13">
+            <a:extLst>
+              <a:ext uri="{FF2B5EF4-FFF2-40B4-BE49-F238E27FC236}">
+                <a16:creationId xmlns:a16="http://schemas.microsoft.com/office/drawing/2014/main" id="{2E01B68D-B15D-AF42-AEED-57BF277337BE}"/>
+              </a:ext>
+            </a:extLst>
+          </p:cNvPr>
+          <p:cNvPicPr>
+            <a:picLocks noChangeAspect="1"/>
+          </p:cNvPicPr>
+          <p:nvPr/>
+        </p:nvPicPr>
+        <p:blipFill>
+          <a:blip r:embed="rId5"/>
+          <a:stretch>
+            <a:fillRect/>
+          </a:stretch>
+        </p:blipFill>
+        <p:spPr>
+          <a:xfrm>
+            <a:off x="502533" y="1393267"/>
+            <a:ext cx="5784439" cy="1467221"/>
+          </a:xfrm>
+          <a:prstGeom prst="rect">
+            <a:avLst/>
+          </a:prstGeom>
+          <a:solidFill>
+            <a:schemeClr val="bg1"/>
+          </a:solidFill>
+          <a:ln w="88900" cap="sq">
+            <a:solidFill>
+              <a:srgbClr val="FFFFFF"/>
+            </a:solidFill>
+            <a:miter lim="800000"/>
+          </a:ln>
+          <a:effectLst>
+            <a:outerShdw blurRad="55000" dist="18000" dir="5400000" algn="tl" rotWithShape="0">
+              <a:srgbClr val="000000">
+                <a:alpha val="40000"/>
+              </a:srgbClr>
+            </a:outerShdw>
+          </a:effectLst>
+          <a:scene3d>
+            <a:camera prst="orthographicFront"/>
+            <a:lightRig rig="twoPt" dir="t">
+              <a:rot lat="0" lon="0" rev="7200000"/>
+            </a:lightRig>
+          </a:scene3d>
+          <a:sp3d>
+            <a:bevelT w="25400" h="19050"/>
+            <a:contourClr>
+              <a:srgbClr val="FFFFFF"/>
+            </a:contourClr>
+          </a:sp3d>
+        </p:spPr>
+      </p:pic>
+    </p:spTree>
+    <p:extLst>
+      <p:ext uri="{BB962C8B-B14F-4D97-AF65-F5344CB8AC3E}">
+        <p14:creationId xmlns:p14="http://schemas.microsoft.com/office/powerpoint/2010/main" val="2750484280"/>
+      </p:ext>
+    </p:extLst>
+  </p:cSld>
+  <p:clrMapOvr>
+    <a:masterClrMapping/>
+  </p:clrMapOvr>
+</p:sld>
+</file>
+
+<file path=ppt/slides/slide23.xml><?xml version="1.0" encoding="utf-8"?>
+<p:sld xmlns:a="http://schemas.openxmlformats.org/drawingml/2006/main" xmlns:r="http://schemas.openxmlformats.org/officeDocument/2006/relationships" xmlns:p="http://schemas.openxmlformats.org/presentationml/2006/main">
+  <p:cSld>
+    <p:spTree>
+      <p:nvGrpSpPr>
+        <p:cNvPr id="1" name=""/>
+        <p:cNvGrpSpPr/>
+        <p:nvPr/>
+      </p:nvGrpSpPr>
+      <p:grpSpPr>
+        <a:xfrm>
+          <a:off x="0" y="0"/>
+          <a:ext cx="0" cy="0"/>
+          <a:chOff x="0" y="0"/>
+          <a:chExt cx="0" cy="0"/>
+        </a:xfrm>
+      </p:grpSpPr>
+      <p:sp>
+        <p:nvSpPr>
+          <p:cNvPr id="3" name="Titolo 2"/>
+          <p:cNvSpPr>
+            <a:spLocks noGrp="1"/>
+          </p:cNvSpPr>
+          <p:nvPr>
+            <p:ph type="title"/>
+          </p:nvPr>
+        </p:nvSpPr>
+        <p:spPr/>
+        <p:txBody>
+          <a:bodyPr/>
+          <a:lstStyle/>
+          <a:p>
+            <a:r>
+              <a:rPr lang="it-IT" dirty="0" err="1"/>
+              <a:t>Literature</a:t>
+            </a:r>
+            <a:endParaRPr lang="it-IT" dirty="0"/>
+          </a:p>
+        </p:txBody>
+      </p:sp>
+      <p:sp>
+        <p:nvSpPr>
+          <p:cNvPr id="4" name="Segnaposto contenuto 3"/>
+          <p:cNvSpPr>
+            <a:spLocks noGrp="1"/>
+          </p:cNvSpPr>
+          <p:nvPr>
+            <p:ph sz="half" idx="1"/>
+          </p:nvPr>
+        </p:nvSpPr>
+        <p:spPr/>
+        <p:txBody>
+          <a:bodyPr>
+            <a:normAutofit fontScale="77500" lnSpcReduction="20000"/>
+          </a:bodyPr>
+          <a:lstStyle/>
+          <a:p>
+            <a:r>
+              <a:rPr lang="it-IT" dirty="0" err="1"/>
+              <a:t>Buch</a:t>
+            </a:r>
+            <a:r>
+              <a:rPr lang="it-IT" dirty="0"/>
+              <a:t> et al., </a:t>
+            </a:r>
+            <a:r>
+              <a:rPr lang="pt-BR" dirty="0"/>
+              <a:t>10.1073/pnas.1103547108</a:t>
+            </a:r>
+            <a:endParaRPr lang="it-IT" dirty="0"/>
+          </a:p>
+          <a:p>
+            <a:pPr lvl="1"/>
+            <a:r>
+              <a:rPr lang="it-IT" dirty="0" err="1"/>
+              <a:t>Rigid</a:t>
+            </a:r>
+            <a:r>
+              <a:rPr lang="it-IT" dirty="0"/>
+              <a:t> </a:t>
+            </a:r>
+            <a:r>
+              <a:rPr lang="it-IT" dirty="0" err="1"/>
+              <a:t>ligand</a:t>
+            </a:r>
+            <a:r>
+              <a:rPr lang="it-IT" dirty="0"/>
+              <a:t> + </a:t>
+            </a:r>
+            <a:r>
+              <a:rPr lang="it-IT" dirty="0" err="1"/>
+              <a:t>protein</a:t>
+            </a:r>
+            <a:r>
+              <a:rPr lang="it-IT" dirty="0"/>
+              <a:t> </a:t>
+            </a:r>
+            <a:r>
+              <a:rPr lang="it-IT" dirty="0" err="1"/>
+              <a:t>association</a:t>
+            </a:r>
+            <a:r>
+              <a:rPr lang="it-IT" dirty="0"/>
+              <a:t>, </a:t>
+            </a:r>
+            <a:r>
+              <a:rPr lang="it-IT" dirty="0" err="1"/>
+              <a:t>simplest</a:t>
+            </a:r>
+            <a:r>
+              <a:rPr lang="it-IT" dirty="0"/>
+              <a:t> case</a:t>
+            </a:r>
+          </a:p>
+          <a:p>
+            <a:r>
+              <a:rPr lang="it-IT" dirty="0" err="1"/>
+              <a:t>Swinney</a:t>
+            </a:r>
+            <a:r>
+              <a:rPr lang="it-IT" dirty="0"/>
+              <a:t>, </a:t>
+            </a:r>
+            <a:r>
+              <a:rPr lang="is-IS" dirty="0"/>
+              <a:t>PMID:19152211</a:t>
+            </a:r>
+            <a:endParaRPr lang="it-IT" dirty="0"/>
+          </a:p>
+          <a:p>
+            <a:pPr lvl="1"/>
+            <a:r>
+              <a:rPr lang="it-IT" dirty="0" err="1"/>
+              <a:t>Importance</a:t>
+            </a:r>
+            <a:r>
+              <a:rPr lang="it-IT" dirty="0"/>
+              <a:t> of </a:t>
+            </a:r>
+            <a:r>
+              <a:rPr lang="it-IT" dirty="0" err="1"/>
+              <a:t>kinetics</a:t>
+            </a:r>
+            <a:r>
+              <a:rPr lang="it-IT" dirty="0"/>
+              <a:t> in </a:t>
+            </a:r>
+            <a:r>
+              <a:rPr lang="it-IT" dirty="0" err="1"/>
+              <a:t>drug</a:t>
+            </a:r>
+            <a:r>
+              <a:rPr lang="it-IT" dirty="0"/>
+              <a:t> design</a:t>
+            </a:r>
+          </a:p>
+          <a:p>
+            <a:r>
+              <a:rPr lang="it-IT" dirty="0" err="1"/>
+              <a:t>Chodera</a:t>
+            </a:r>
+            <a:r>
+              <a:rPr lang="it-IT" dirty="0"/>
+              <a:t> and </a:t>
+            </a:r>
+            <a:r>
+              <a:rPr lang="it-IT" dirty="0" err="1"/>
+              <a:t>Noe</a:t>
+            </a:r>
+            <a:r>
+              <a:rPr lang="it-IT" dirty="0"/>
+              <a:t>, </a:t>
+            </a:r>
+            <a:r>
+              <a:rPr lang="de-DE" dirty="0"/>
+              <a:t>10.1016/j.sbi.2014.04.002</a:t>
+            </a:r>
+          </a:p>
+          <a:p>
+            <a:pPr lvl="1"/>
+            <a:r>
+              <a:rPr lang="de-DE" dirty="0" err="1"/>
+              <a:t>Excellent</a:t>
+            </a:r>
+            <a:r>
+              <a:rPr lang="de-DE" dirty="0"/>
+              <a:t> </a:t>
+            </a:r>
+            <a:r>
+              <a:rPr lang="de-DE" dirty="0" err="1"/>
+              <a:t>overview</a:t>
+            </a:r>
+            <a:r>
+              <a:rPr lang="de-DE" dirty="0"/>
+              <a:t> (1)</a:t>
+            </a:r>
+          </a:p>
+          <a:p>
+            <a:r>
+              <a:rPr lang="it-IT" dirty="0" err="1"/>
+              <a:t>Voelz</a:t>
+            </a:r>
+            <a:r>
+              <a:rPr lang="it-IT" dirty="0"/>
+              <a:t> et al., </a:t>
+            </a:r>
+            <a:r>
+              <a:rPr lang="fi-FI" dirty="0"/>
+              <a:t>10.1021/ja9090353</a:t>
+            </a:r>
+          </a:p>
+          <a:p>
+            <a:pPr lvl="1"/>
+            <a:r>
+              <a:rPr lang="fi-FI" dirty="0"/>
+              <a:t>Full </a:t>
+            </a:r>
+            <a:r>
+              <a:rPr lang="fi-FI" dirty="0" err="1"/>
+              <a:t>reconstruction</a:t>
+            </a:r>
+            <a:r>
+              <a:rPr lang="fi-FI" dirty="0"/>
+              <a:t> of a </a:t>
+            </a:r>
+            <a:r>
+              <a:rPr lang="fi-FI" dirty="0" err="1"/>
+              <a:t>millisecond</a:t>
+            </a:r>
+            <a:r>
+              <a:rPr lang="fi-FI" dirty="0"/>
+              <a:t> </a:t>
+            </a:r>
+            <a:r>
+              <a:rPr lang="fi-FI" dirty="0" err="1"/>
+              <a:t>folding</a:t>
+            </a:r>
+            <a:endParaRPr lang="it-IT" dirty="0"/>
+          </a:p>
+        </p:txBody>
+      </p:sp>
+      <p:sp>
+        <p:nvSpPr>
+          <p:cNvPr id="2" name="Segnaposto contenuto 1"/>
+          <p:cNvSpPr>
+            <a:spLocks noGrp="1"/>
+          </p:cNvSpPr>
+          <p:nvPr>
+            <p:ph sz="half" idx="2"/>
+          </p:nvPr>
+        </p:nvSpPr>
+        <p:spPr/>
+        <p:txBody>
+          <a:bodyPr>
+            <a:normAutofit fontScale="77500" lnSpcReduction="20000"/>
+          </a:bodyPr>
+          <a:lstStyle/>
+          <a:p>
+            <a:r>
+              <a:rPr lang="it-IT" dirty="0"/>
+              <a:t>Pande et al., </a:t>
+            </a:r>
+            <a:r>
+              <a:rPr lang="pl-PL" dirty="0"/>
+              <a:t>10.1016/j.ymeth.2010.06.002</a:t>
+            </a:r>
+          </a:p>
+          <a:p>
+            <a:pPr lvl="1"/>
+            <a:r>
+              <a:rPr lang="de-DE" dirty="0" err="1"/>
+              <a:t>Excellent</a:t>
+            </a:r>
+            <a:r>
+              <a:rPr lang="de-DE" dirty="0"/>
+              <a:t> </a:t>
+            </a:r>
+            <a:r>
+              <a:rPr lang="it-IT" dirty="0" err="1"/>
+              <a:t>overview</a:t>
+            </a:r>
+            <a:r>
+              <a:rPr lang="it-IT" dirty="0"/>
+              <a:t> (2)</a:t>
+            </a:r>
+          </a:p>
+          <a:p>
+            <a:r>
+              <a:rPr lang="it-IT" dirty="0"/>
+              <a:t>Paul et al., </a:t>
+            </a:r>
+            <a:r>
+              <a:rPr lang="mr-IN" sz="2600" dirty="0"/>
+              <a:t>10.1038/s41467-017-01163-6</a:t>
+            </a:r>
+            <a:endParaRPr lang="it-IT" sz="2600" dirty="0"/>
+          </a:p>
+          <a:p>
+            <a:pPr lvl="1"/>
+            <a:r>
+              <a:rPr lang="it-IT" dirty="0"/>
+              <a:t>Peptide-peptide </a:t>
+            </a:r>
+            <a:r>
+              <a:rPr lang="it-IT" dirty="0" err="1"/>
+              <a:t>association</a:t>
+            </a:r>
+            <a:endParaRPr lang="it-IT" dirty="0"/>
+          </a:p>
+          <a:p>
+            <a:r>
+              <a:rPr lang="it-IT" dirty="0" err="1"/>
+              <a:t>Doerr</a:t>
+            </a:r>
+            <a:r>
+              <a:rPr lang="it-IT" dirty="0"/>
+              <a:t> et al., </a:t>
+            </a:r>
+            <a:r>
+              <a:rPr lang="fi-FI" dirty="0"/>
+              <a:t>10.1021/ct400919u</a:t>
+            </a:r>
+          </a:p>
+          <a:p>
+            <a:pPr lvl="1"/>
+            <a:r>
+              <a:rPr lang="fi-FI" dirty="0" err="1"/>
+              <a:t>Adaptive</a:t>
+            </a:r>
+            <a:r>
+              <a:rPr lang="fi-FI" dirty="0"/>
+              <a:t> </a:t>
+            </a:r>
+            <a:r>
+              <a:rPr lang="fi-FI" dirty="0" err="1"/>
+              <a:t>sampling</a:t>
+            </a:r>
+            <a:endParaRPr lang="fi-FI" dirty="0"/>
+          </a:p>
+          <a:p>
+            <a:r>
+              <a:rPr lang="it-IT" dirty="0"/>
+              <a:t>Bryan et al., “The $25 B </a:t>
+            </a:r>
+            <a:r>
+              <a:rPr lang="it-IT" dirty="0" err="1"/>
+              <a:t>eigenvector</a:t>
+            </a:r>
+            <a:r>
+              <a:rPr lang="it-IT" dirty="0"/>
+              <a:t>”</a:t>
+            </a:r>
+          </a:p>
+          <a:p>
+            <a:pPr lvl="1"/>
+            <a:r>
+              <a:rPr lang="it-IT" dirty="0"/>
+              <a:t>The </a:t>
+            </a:r>
+            <a:r>
+              <a:rPr lang="it-IT" dirty="0" err="1"/>
+              <a:t>original</a:t>
+            </a:r>
+            <a:r>
+              <a:rPr lang="it-IT" dirty="0"/>
+              <a:t> </a:t>
+            </a:r>
+            <a:r>
+              <a:rPr lang="it-IT" dirty="0" err="1"/>
+              <a:t>PageRank</a:t>
+            </a:r>
+            <a:r>
+              <a:rPr lang="it-IT" dirty="0"/>
+              <a:t> </a:t>
+            </a:r>
+            <a:r>
+              <a:rPr lang="it-IT" dirty="0" err="1"/>
+              <a:t>algorithm</a:t>
+            </a:r>
+            <a:r>
+              <a:rPr lang="it-IT" dirty="0"/>
+              <a:t>; e.g. </a:t>
+            </a:r>
+            <a:r>
+              <a:rPr lang="it-IT" dirty="0">
+                <a:hlinkClick r:id="rId2"/>
+              </a:rPr>
+              <a:t>jdc.math.uwo.ca/M1600b/l/pagerank-1600.pdf</a:t>
+            </a:r>
+            <a:r>
+              <a:rPr lang="it-IT" dirty="0"/>
+              <a:t> </a:t>
+            </a:r>
+            <a:endParaRPr lang="mr-IN" dirty="0"/>
+          </a:p>
+          <a:p>
+            <a:endParaRPr lang="it-IT" dirty="0"/>
+          </a:p>
+        </p:txBody>
+      </p:sp>
+    </p:spTree>
+    <p:extLst>
+      <p:ext uri="{BB962C8B-B14F-4D97-AF65-F5344CB8AC3E}">
+        <p14:creationId xmlns:p14="http://schemas.microsoft.com/office/powerpoint/2010/main" val="4078581704"/>
+      </p:ext>
+    </p:extLst>
+  </p:cSld>
+  <p:clrMapOvr>
+    <a:masterClrMapping/>
+  </p:clrMapOvr>
+</p:sld>
+</file>
+
+<file path=ppt/slides/slide24.xml><?xml version="1.0" encoding="utf-8"?>
+<p:sld xmlns:a="http://schemas.openxmlformats.org/drawingml/2006/main" xmlns:r="http://schemas.openxmlformats.org/officeDocument/2006/relationships" xmlns:p="http://schemas.openxmlformats.org/presentationml/2006/main">
+  <p:cSld>
+    <p:spTree>
+      <p:nvGrpSpPr>
+        <p:cNvPr id="1" name=""/>
+        <p:cNvGrpSpPr/>
+        <p:nvPr/>
+      </p:nvGrpSpPr>
+      <p:grpSpPr>
+        <a:xfrm>
+          <a:off x="0" y="0"/>
+          <a:ext cx="0" cy="0"/>
+          <a:chOff x="0" y="0"/>
+          <a:chExt cx="0" cy="0"/>
+        </a:xfrm>
+      </p:grpSpPr>
+      <p:sp>
+        <p:nvSpPr>
+          <p:cNvPr id="3" name="Segnaposto testo 2"/>
+          <p:cNvSpPr>
+            <a:spLocks noGrp="1"/>
+          </p:cNvSpPr>
+          <p:nvPr>
+            <p:ph type="body" idx="1"/>
+          </p:nvPr>
+        </p:nvSpPr>
+        <p:spPr/>
+        <p:txBody>
+          <a:bodyPr/>
+          <a:lstStyle/>
+          <a:p>
+            <a:r>
+              <a:rPr lang="it-IT" altLang="x-none" dirty="0"/>
+              <a:t>End</a:t>
+            </a:r>
+            <a:endParaRPr lang="en-US" dirty="0"/>
+          </a:p>
+        </p:txBody>
+      </p:sp>
+    </p:spTree>
+    <p:extLst>
+      <p:ext uri="{BB962C8B-B14F-4D97-AF65-F5344CB8AC3E}">
+        <p14:creationId xmlns:p14="http://schemas.microsoft.com/office/powerpoint/2010/main" val="3395948359"/>
       </p:ext>
     </p:extLst>
   </p:cSld>
@@ -8969,14 +11118,14 @@
           <a:effectLst/>
           <a:extLst>
             <a:ext uri="{909E8E84-426E-40dd-AFC4-6F175D3DCCD1}">
-              <a14:hiddenFill xmlns="" xmlns:a14="http://schemas.microsoft.com/office/drawing/2010/main">
+              <a14:hiddenFill xmlns:a14="http://schemas.microsoft.com/office/drawing/2010/main" xmlns="">
                 <a:solidFill>
                   <a:schemeClr val="accent1"/>
                 </a:solidFill>
               </a14:hiddenFill>
             </a:ext>
             <a:ext uri="{91240B29-F687-4f45-9708-019B960494DF}">
-              <a14:hiddenLine xmlns="" xmlns:a14="http://schemas.microsoft.com/office/drawing/2010/main" w="9525">
+              <a14:hiddenLine xmlns:a14="http://schemas.microsoft.com/office/drawing/2010/main" xmlns="" w="9525">
                 <a:solidFill>
                   <a:schemeClr val="tx1"/>
                 </a:solidFill>
@@ -8986,7 +11135,7 @@
               </a14:hiddenLine>
             </a:ext>
             <a:ext uri="{AF507438-7753-43e0-B8FC-AC1667EBCBE1}">
-              <a14:hiddenEffects xmlns="" xmlns:a14="http://schemas.microsoft.com/office/drawing/2010/main">
+              <a14:hiddenEffects xmlns:a14="http://schemas.microsoft.com/office/drawing/2010/main" xmlns="">
                 <a:effectLst>
                   <a:outerShdw dist="35921" dir="2700000" algn="ctr" rotWithShape="0">
                     <a:schemeClr val="bg2"/>
